--- a/UI.pptx
+++ b/UI.pptx
@@ -5,19 +5,20 @@
     <p:sldMasterId id="2147483648" r:id="rId1"/>
   </p:sldMasterIdLst>
   <p:notesMasterIdLst>
-    <p:notesMasterId r:id="rId12"/>
+    <p:notesMasterId r:id="rId13"/>
   </p:notesMasterIdLst>
   <p:sldIdLst>
     <p:sldId id="256" r:id="rId2"/>
     <p:sldId id="257" r:id="rId3"/>
-    <p:sldId id="261" r:id="rId4"/>
-    <p:sldId id="262" r:id="rId5"/>
-    <p:sldId id="263" r:id="rId6"/>
-    <p:sldId id="264" r:id="rId7"/>
-    <p:sldId id="265" r:id="rId8"/>
-    <p:sldId id="259" r:id="rId9"/>
-    <p:sldId id="260" r:id="rId10"/>
-    <p:sldId id="258" r:id="rId11"/>
+    <p:sldId id="266" r:id="rId4"/>
+    <p:sldId id="261" r:id="rId5"/>
+    <p:sldId id="262" r:id="rId6"/>
+    <p:sldId id="263" r:id="rId7"/>
+    <p:sldId id="264" r:id="rId8"/>
+    <p:sldId id="265" r:id="rId9"/>
+    <p:sldId id="259" r:id="rId10"/>
+    <p:sldId id="260" r:id="rId11"/>
+    <p:sldId id="258" r:id="rId12"/>
   </p:sldIdLst>
   <p:sldSz cx="12192000" cy="6858000"/>
   <p:notesSz cx="6858000" cy="9144000"/>
@@ -116,6 +117,11 @@
       </a:defRPr>
     </a:lvl9pPr>
   </p:defaultTextStyle>
+  <p:extLst>
+    <p:ext uri="{EFAFB233-063F-42B5-8137-9DF3F51BA10A}">
+      <p15:sldGuideLst xmlns:p15="http://schemas.microsoft.com/office/powerpoint/2012/main"/>
+    </p:ext>
+  </p:extLst>
 </p:presentation>
 </file>
 
@@ -627,6 +633,90 @@
     </p:spTree>
     <p:extLst>
       <p:ext uri="{BB962C8B-B14F-4D97-AF65-F5344CB8AC3E}">
+        <p14:creationId xmlns:p14="http://schemas.microsoft.com/office/powerpoint/2010/main" val="3322302500"/>
+      </p:ext>
+    </p:extLst>
+  </p:cSld>
+  <p:clrMapOvr>
+    <a:masterClrMapping/>
+  </p:clrMapOvr>
+</p:notes>
+</file>
+
+<file path=ppt/notesSlides/notesSlide11.xml><?xml version="1.0" encoding="utf-8"?>
+<p:notes xmlns:a="http://schemas.openxmlformats.org/drawingml/2006/main" xmlns:r="http://schemas.openxmlformats.org/officeDocument/2006/relationships" xmlns:p="http://schemas.openxmlformats.org/presentationml/2006/main">
+  <p:cSld>
+    <p:spTree>
+      <p:nvGrpSpPr>
+        <p:cNvPr id="1" name=""/>
+        <p:cNvGrpSpPr/>
+        <p:nvPr/>
+      </p:nvGrpSpPr>
+      <p:grpSpPr>
+        <a:xfrm>
+          <a:off x="0" y="0"/>
+          <a:ext cx="0" cy="0"/>
+          <a:chOff x="0" y="0"/>
+          <a:chExt cx="0" cy="0"/>
+        </a:xfrm>
+      </p:grpSpPr>
+      <p:sp>
+        <p:nvSpPr>
+          <p:cNvPr id="2" name="Slide Image Placeholder 1"/>
+          <p:cNvSpPr>
+            <a:spLocks noGrp="1" noRot="1" noChangeAspect="1"/>
+          </p:cNvSpPr>
+          <p:nvPr>
+            <p:ph type="sldImg"/>
+          </p:nvPr>
+        </p:nvSpPr>
+        <p:spPr/>
+      </p:sp>
+      <p:sp>
+        <p:nvSpPr>
+          <p:cNvPr id="3" name="Notes Placeholder 2"/>
+          <p:cNvSpPr>
+            <a:spLocks noGrp="1"/>
+          </p:cNvSpPr>
+          <p:nvPr>
+            <p:ph type="body" idx="1"/>
+          </p:nvPr>
+        </p:nvSpPr>
+        <p:spPr/>
+        <p:txBody>
+          <a:bodyPr/>
+          <a:lstStyle/>
+          <a:p>
+            <a:endParaRPr lang="en-US"/>
+          </a:p>
+        </p:txBody>
+      </p:sp>
+      <p:sp>
+        <p:nvSpPr>
+          <p:cNvPr id="4" name="Slide Number Placeholder 3"/>
+          <p:cNvSpPr>
+            <a:spLocks noGrp="1"/>
+          </p:cNvSpPr>
+          <p:nvPr>
+            <p:ph type="sldNum" sz="quarter" idx="10"/>
+          </p:nvPr>
+        </p:nvSpPr>
+        <p:spPr/>
+        <p:txBody>
+          <a:bodyPr/>
+          <a:lstStyle/>
+          <a:p>
+            <a:fld id="{5C805F0C-14CD-4B7B-ADB9-7BD50EE85982}" type="slidenum">
+              <a:rPr lang="en-US" smtClean="0"/>
+              <a:t>11</a:t>
+            </a:fld>
+            <a:endParaRPr lang="en-US"/>
+          </a:p>
+        </p:txBody>
+      </p:sp>
+    </p:spTree>
+    <p:extLst>
+      <p:ext uri="{BB962C8B-B14F-4D97-AF65-F5344CB8AC3E}">
         <p14:creationId xmlns:p14="http://schemas.microsoft.com/office/powerpoint/2010/main" val="986635250"/>
       </p:ext>
     </p:extLst>
@@ -795,7 +885,7 @@
     </p:spTree>
     <p:extLst>
       <p:ext uri="{BB962C8B-B14F-4D97-AF65-F5344CB8AC3E}">
-        <p14:creationId xmlns:p14="http://schemas.microsoft.com/office/powerpoint/2010/main" val="1385387780"/>
+        <p14:creationId xmlns:p14="http://schemas.microsoft.com/office/powerpoint/2010/main" val="2964256705"/>
       </p:ext>
     </p:extLst>
   </p:cSld>
@@ -879,7 +969,7 @@
     </p:spTree>
     <p:extLst>
       <p:ext uri="{BB962C8B-B14F-4D97-AF65-F5344CB8AC3E}">
-        <p14:creationId xmlns:p14="http://schemas.microsoft.com/office/powerpoint/2010/main" val="2319416868"/>
+        <p14:creationId xmlns:p14="http://schemas.microsoft.com/office/powerpoint/2010/main" val="1385387780"/>
       </p:ext>
     </p:extLst>
   </p:cSld>
@@ -963,7 +1053,7 @@
     </p:spTree>
     <p:extLst>
       <p:ext uri="{BB962C8B-B14F-4D97-AF65-F5344CB8AC3E}">
-        <p14:creationId xmlns:p14="http://schemas.microsoft.com/office/powerpoint/2010/main" val="3168966353"/>
+        <p14:creationId xmlns:p14="http://schemas.microsoft.com/office/powerpoint/2010/main" val="2319416868"/>
       </p:ext>
     </p:extLst>
   </p:cSld>
@@ -1047,7 +1137,7 @@
     </p:spTree>
     <p:extLst>
       <p:ext uri="{BB962C8B-B14F-4D97-AF65-F5344CB8AC3E}">
-        <p14:creationId xmlns:p14="http://schemas.microsoft.com/office/powerpoint/2010/main" val="3547100287"/>
+        <p14:creationId xmlns:p14="http://schemas.microsoft.com/office/powerpoint/2010/main" val="3168966353"/>
       </p:ext>
     </p:extLst>
   </p:cSld>
@@ -1131,7 +1221,7 @@
     </p:spTree>
     <p:extLst>
       <p:ext uri="{BB962C8B-B14F-4D97-AF65-F5344CB8AC3E}">
-        <p14:creationId xmlns:p14="http://schemas.microsoft.com/office/powerpoint/2010/main" val="3405892790"/>
+        <p14:creationId xmlns:p14="http://schemas.microsoft.com/office/powerpoint/2010/main" val="3547100287"/>
       </p:ext>
     </p:extLst>
   </p:cSld>
@@ -1215,7 +1305,7 @@
     </p:spTree>
     <p:extLst>
       <p:ext uri="{BB962C8B-B14F-4D97-AF65-F5344CB8AC3E}">
-        <p14:creationId xmlns:p14="http://schemas.microsoft.com/office/powerpoint/2010/main" val="1567525714"/>
+        <p14:creationId xmlns:p14="http://schemas.microsoft.com/office/powerpoint/2010/main" val="3405892790"/>
       </p:ext>
     </p:extLst>
   </p:cSld>
@@ -1299,7 +1389,7 @@
     </p:spTree>
     <p:extLst>
       <p:ext uri="{BB962C8B-B14F-4D97-AF65-F5344CB8AC3E}">
-        <p14:creationId xmlns:p14="http://schemas.microsoft.com/office/powerpoint/2010/main" val="3322302500"/>
+        <p14:creationId xmlns:p14="http://schemas.microsoft.com/office/powerpoint/2010/main" val="1567525714"/>
       </p:ext>
     </p:extLst>
   </p:cSld>
@@ -5280,6 +5370,1011 @@
         <p:spPr>
           <a:xfrm>
             <a:off x="709679" y="915838"/>
+            <a:ext cx="3029808" cy="369332"/>
+          </a:xfrm>
+          <a:prstGeom prst="rect">
+            <a:avLst/>
+          </a:prstGeom>
+          <a:noFill/>
+        </p:spPr>
+        <p:txBody>
+          <a:bodyPr wrap="square" rtlCol="0">
+            <a:spAutoFit/>
+          </a:bodyPr>
+          <a:lstStyle/>
+          <a:p>
+            <a:r>
+              <a:rPr lang="en-US" dirty="0" smtClean="0"/>
+              <a:t>Add Device </a:t>
+            </a:r>
+            <a:endParaRPr lang="en-US" dirty="0"/>
+          </a:p>
+        </p:txBody>
+      </p:sp>
+      <p:sp>
+        <p:nvSpPr>
+          <p:cNvPr id="3" name="Rectangle 2"/>
+          <p:cNvSpPr/>
+          <p:nvPr/>
+        </p:nvSpPr>
+        <p:spPr>
+          <a:xfrm>
+            <a:off x="837285" y="1436727"/>
+            <a:ext cx="1441892" cy="338554"/>
+          </a:xfrm>
+          <a:prstGeom prst="rect">
+            <a:avLst/>
+          </a:prstGeom>
+          <a:solidFill>
+            <a:schemeClr val="bg1"/>
+          </a:solidFill>
+        </p:spPr>
+        <p:style>
+          <a:lnRef idx="2">
+            <a:schemeClr val="accent1">
+              <a:shade val="50000"/>
+            </a:schemeClr>
+          </a:lnRef>
+          <a:fillRef idx="1">
+            <a:schemeClr val="accent1"/>
+          </a:fillRef>
+          <a:effectRef idx="0">
+            <a:schemeClr val="accent1"/>
+          </a:effectRef>
+          <a:fontRef idx="minor">
+            <a:schemeClr val="lt1"/>
+          </a:fontRef>
+        </p:style>
+        <p:txBody>
+          <a:bodyPr rtlCol="0" anchor="ctr"/>
+          <a:lstStyle/>
+          <a:p>
+            <a:pPr algn="ctr"/>
+            <a:endParaRPr lang="en-US"/>
+          </a:p>
+        </p:txBody>
+      </p:sp>
+      <p:sp>
+        <p:nvSpPr>
+          <p:cNvPr id="14" name="TextBox 13"/>
+          <p:cNvSpPr txBox="1"/>
+          <p:nvPr/>
+        </p:nvSpPr>
+        <p:spPr>
+          <a:xfrm>
+            <a:off x="887103" y="1433011"/>
+            <a:ext cx="1665027" cy="307777"/>
+          </a:xfrm>
+          <a:prstGeom prst="rect">
+            <a:avLst/>
+          </a:prstGeom>
+          <a:noFill/>
+        </p:spPr>
+        <p:txBody>
+          <a:bodyPr wrap="square" rtlCol="0">
+            <a:spAutoFit/>
+          </a:bodyPr>
+          <a:lstStyle/>
+          <a:p>
+            <a:r>
+              <a:rPr lang="en-US" sz="1400" dirty="0" smtClean="0"/>
+              <a:t>State dropdown</a:t>
+            </a:r>
+            <a:endParaRPr lang="en-US" sz="1400" dirty="0"/>
+          </a:p>
+        </p:txBody>
+      </p:sp>
+      <p:sp>
+        <p:nvSpPr>
+          <p:cNvPr id="16" name="Rectangle 15"/>
+          <p:cNvSpPr/>
+          <p:nvPr/>
+        </p:nvSpPr>
+        <p:spPr>
+          <a:xfrm>
+            <a:off x="966591" y="4804014"/>
+            <a:ext cx="955343" cy="342270"/>
+          </a:xfrm>
+          <a:prstGeom prst="rect">
+            <a:avLst/>
+          </a:prstGeom>
+          <a:solidFill>
+            <a:schemeClr val="accent6"/>
+          </a:solidFill>
+        </p:spPr>
+        <p:style>
+          <a:lnRef idx="2">
+            <a:schemeClr val="accent1">
+              <a:shade val="50000"/>
+            </a:schemeClr>
+          </a:lnRef>
+          <a:fillRef idx="1">
+            <a:schemeClr val="accent1"/>
+          </a:fillRef>
+          <a:effectRef idx="0">
+            <a:schemeClr val="accent1"/>
+          </a:effectRef>
+          <a:fontRef idx="minor">
+            <a:schemeClr val="lt1"/>
+          </a:fontRef>
+        </p:style>
+        <p:txBody>
+          <a:bodyPr rtlCol="0" anchor="ctr"/>
+          <a:lstStyle/>
+          <a:p>
+            <a:pPr algn="ctr"/>
+            <a:endParaRPr lang="en-US"/>
+          </a:p>
+        </p:txBody>
+      </p:sp>
+      <p:sp>
+        <p:nvSpPr>
+          <p:cNvPr id="22" name="TextBox 21"/>
+          <p:cNvSpPr txBox="1"/>
+          <p:nvPr/>
+        </p:nvSpPr>
+        <p:spPr>
+          <a:xfrm>
+            <a:off x="949079" y="4783961"/>
+            <a:ext cx="946471" cy="369332"/>
+          </a:xfrm>
+          <a:prstGeom prst="rect">
+            <a:avLst/>
+          </a:prstGeom>
+          <a:noFill/>
+        </p:spPr>
+        <p:txBody>
+          <a:bodyPr wrap="square" rtlCol="0">
+            <a:spAutoFit/>
+          </a:bodyPr>
+          <a:lstStyle/>
+          <a:p>
+            <a:r>
+              <a:rPr lang="en-US" dirty="0" smtClean="0"/>
+              <a:t>Submit</a:t>
+            </a:r>
+            <a:endParaRPr lang="en-US" dirty="0"/>
+          </a:p>
+        </p:txBody>
+      </p:sp>
+      <p:pic>
+        <p:nvPicPr>
+          <p:cNvPr id="30" name="Picture 29"/>
+          <p:cNvPicPr>
+            <a:picLocks noChangeAspect="1"/>
+          </p:cNvPicPr>
+          <p:nvPr/>
+        </p:nvPicPr>
+        <p:blipFill>
+          <a:blip r:embed="rId3" cstate="print">
+            <a:extLst>
+              <a:ext uri="{28A0092B-C50C-407E-A947-70E740481C1C}">
+                <a14:useLocalDpi xmlns:a14="http://schemas.microsoft.com/office/drawing/2010/main" val="0"/>
+              </a:ext>
+            </a:extLst>
+          </a:blip>
+          <a:stretch>
+            <a:fillRect/>
+          </a:stretch>
+        </p:blipFill>
+        <p:spPr>
+          <a:xfrm>
+            <a:off x="47820" y="922640"/>
+            <a:ext cx="457261" cy="373893"/>
+          </a:xfrm>
+          <a:prstGeom prst="rect">
+            <a:avLst/>
+          </a:prstGeom>
+        </p:spPr>
+      </p:pic>
+      <p:pic>
+        <p:nvPicPr>
+          <p:cNvPr id="31" name="Picture 30"/>
+          <p:cNvPicPr>
+            <a:picLocks noChangeAspect="1"/>
+          </p:cNvPicPr>
+          <p:nvPr/>
+        </p:nvPicPr>
+        <p:blipFill>
+          <a:blip r:embed="rId4" cstate="print">
+            <a:extLst>
+              <a:ext uri="{28A0092B-C50C-407E-A947-70E740481C1C}">
+                <a14:useLocalDpi xmlns:a14="http://schemas.microsoft.com/office/drawing/2010/main" val="0"/>
+              </a:ext>
+            </a:extLst>
+          </a:blip>
+          <a:stretch>
+            <a:fillRect/>
+          </a:stretch>
+        </p:blipFill>
+        <p:spPr>
+          <a:xfrm>
+            <a:off x="44688" y="1932574"/>
+            <a:ext cx="446609" cy="432014"/>
+          </a:xfrm>
+          <a:prstGeom prst="rect">
+            <a:avLst/>
+          </a:prstGeom>
+        </p:spPr>
+      </p:pic>
+      <p:pic>
+        <p:nvPicPr>
+          <p:cNvPr id="32" name="Picture 31"/>
+          <p:cNvPicPr>
+            <a:picLocks noChangeAspect="1"/>
+          </p:cNvPicPr>
+          <p:nvPr/>
+        </p:nvPicPr>
+        <p:blipFill>
+          <a:blip r:embed="rId5" cstate="print">
+            <a:extLst>
+              <a:ext uri="{28A0092B-C50C-407E-A947-70E740481C1C}">
+                <a14:useLocalDpi xmlns:a14="http://schemas.microsoft.com/office/drawing/2010/main" val="0"/>
+              </a:ext>
+            </a:extLst>
+          </a:blip>
+          <a:stretch>
+            <a:fillRect/>
+          </a:stretch>
+        </p:blipFill>
+        <p:spPr>
+          <a:xfrm>
+            <a:off x="54865" y="1386665"/>
+            <a:ext cx="422796" cy="422796"/>
+          </a:xfrm>
+          <a:prstGeom prst="rect">
+            <a:avLst/>
+          </a:prstGeom>
+        </p:spPr>
+      </p:pic>
+      <p:sp>
+        <p:nvSpPr>
+          <p:cNvPr id="33" name="Rectangle 32"/>
+          <p:cNvSpPr/>
+          <p:nvPr/>
+        </p:nvSpPr>
+        <p:spPr>
+          <a:xfrm>
+            <a:off x="839556" y="2653651"/>
+            <a:ext cx="1441892" cy="338554"/>
+          </a:xfrm>
+          <a:prstGeom prst="rect">
+            <a:avLst/>
+          </a:prstGeom>
+          <a:solidFill>
+            <a:schemeClr val="bg1"/>
+          </a:solidFill>
+        </p:spPr>
+        <p:style>
+          <a:lnRef idx="2">
+            <a:schemeClr val="accent1">
+              <a:shade val="50000"/>
+            </a:schemeClr>
+          </a:lnRef>
+          <a:fillRef idx="1">
+            <a:schemeClr val="accent1"/>
+          </a:fillRef>
+          <a:effectRef idx="0">
+            <a:schemeClr val="accent1"/>
+          </a:effectRef>
+          <a:fontRef idx="minor">
+            <a:schemeClr val="lt1"/>
+          </a:fontRef>
+        </p:style>
+        <p:txBody>
+          <a:bodyPr rtlCol="0" anchor="ctr"/>
+          <a:lstStyle/>
+          <a:p>
+            <a:pPr algn="ctr"/>
+            <a:endParaRPr lang="en-US"/>
+          </a:p>
+        </p:txBody>
+      </p:sp>
+      <p:sp>
+        <p:nvSpPr>
+          <p:cNvPr id="34" name="Rectangle 33"/>
+          <p:cNvSpPr/>
+          <p:nvPr/>
+        </p:nvSpPr>
+        <p:spPr>
+          <a:xfrm>
+            <a:off x="828187" y="2055420"/>
+            <a:ext cx="1441892" cy="338554"/>
+          </a:xfrm>
+          <a:prstGeom prst="rect">
+            <a:avLst/>
+          </a:prstGeom>
+          <a:solidFill>
+            <a:schemeClr val="bg1"/>
+          </a:solidFill>
+        </p:spPr>
+        <p:style>
+          <a:lnRef idx="2">
+            <a:schemeClr val="accent1">
+              <a:shade val="50000"/>
+            </a:schemeClr>
+          </a:lnRef>
+          <a:fillRef idx="1">
+            <a:schemeClr val="accent1"/>
+          </a:fillRef>
+          <a:effectRef idx="0">
+            <a:schemeClr val="accent1"/>
+          </a:effectRef>
+          <a:fontRef idx="minor">
+            <a:schemeClr val="lt1"/>
+          </a:fontRef>
+        </p:style>
+        <p:txBody>
+          <a:bodyPr rtlCol="0" anchor="ctr"/>
+          <a:lstStyle/>
+          <a:p>
+            <a:pPr algn="ctr"/>
+            <a:endParaRPr lang="en-US"/>
+          </a:p>
+        </p:txBody>
+      </p:sp>
+      <p:sp>
+        <p:nvSpPr>
+          <p:cNvPr id="35" name="TextBox 34"/>
+          <p:cNvSpPr txBox="1"/>
+          <p:nvPr/>
+        </p:nvSpPr>
+        <p:spPr>
+          <a:xfrm>
+            <a:off x="780192" y="2076727"/>
+            <a:ext cx="1665027" cy="307777"/>
+          </a:xfrm>
+          <a:prstGeom prst="rect">
+            <a:avLst/>
+          </a:prstGeom>
+          <a:noFill/>
+        </p:spPr>
+        <p:txBody>
+          <a:bodyPr wrap="square" rtlCol="0">
+            <a:spAutoFit/>
+          </a:bodyPr>
+          <a:lstStyle/>
+          <a:p>
+            <a:r>
+              <a:rPr lang="en-US" sz="1400" dirty="0" smtClean="0"/>
+              <a:t>District dropdown</a:t>
+            </a:r>
+            <a:endParaRPr lang="en-US" sz="1400" dirty="0"/>
+          </a:p>
+        </p:txBody>
+      </p:sp>
+      <p:sp>
+        <p:nvSpPr>
+          <p:cNvPr id="36" name="TextBox 35"/>
+          <p:cNvSpPr txBox="1"/>
+          <p:nvPr/>
+        </p:nvSpPr>
+        <p:spPr>
+          <a:xfrm>
+            <a:off x="800895" y="2647843"/>
+            <a:ext cx="1655697" cy="313720"/>
+          </a:xfrm>
+          <a:prstGeom prst="rect">
+            <a:avLst/>
+          </a:prstGeom>
+          <a:noFill/>
+        </p:spPr>
+        <p:txBody>
+          <a:bodyPr wrap="square" rtlCol="0">
+            <a:spAutoFit/>
+          </a:bodyPr>
+          <a:lstStyle/>
+          <a:p>
+            <a:r>
+              <a:rPr lang="en-US" sz="1400" dirty="0" smtClean="0"/>
+              <a:t>Village dropdown</a:t>
+            </a:r>
+            <a:endParaRPr lang="en-US" sz="1400" dirty="0"/>
+          </a:p>
+        </p:txBody>
+      </p:sp>
+      <p:sp>
+        <p:nvSpPr>
+          <p:cNvPr id="9" name="Rectangle 8"/>
+          <p:cNvSpPr/>
+          <p:nvPr/>
+        </p:nvSpPr>
+        <p:spPr>
+          <a:xfrm>
+            <a:off x="887103" y="3176061"/>
+            <a:ext cx="1382976" cy="405085"/>
+          </a:xfrm>
+          <a:prstGeom prst="rect">
+            <a:avLst/>
+          </a:prstGeom>
+          <a:solidFill>
+            <a:schemeClr val="bg1"/>
+          </a:solidFill>
+        </p:spPr>
+        <p:style>
+          <a:lnRef idx="2">
+            <a:schemeClr val="accent1">
+              <a:shade val="50000"/>
+            </a:schemeClr>
+          </a:lnRef>
+          <a:fillRef idx="1">
+            <a:schemeClr val="accent1"/>
+          </a:fillRef>
+          <a:effectRef idx="0">
+            <a:schemeClr val="accent1"/>
+          </a:effectRef>
+          <a:fontRef idx="minor">
+            <a:schemeClr val="lt1"/>
+          </a:fontRef>
+        </p:style>
+        <p:txBody>
+          <a:bodyPr rtlCol="0" anchor="ctr"/>
+          <a:lstStyle/>
+          <a:p>
+            <a:pPr algn="ctr"/>
+            <a:endParaRPr lang="en-US"/>
+          </a:p>
+        </p:txBody>
+      </p:sp>
+      <p:sp>
+        <p:nvSpPr>
+          <p:cNvPr id="10" name="TextBox 9"/>
+          <p:cNvSpPr txBox="1"/>
+          <p:nvPr/>
+        </p:nvSpPr>
+        <p:spPr>
+          <a:xfrm>
+            <a:off x="900750" y="3196989"/>
+            <a:ext cx="1132765" cy="369332"/>
+          </a:xfrm>
+          <a:prstGeom prst="rect">
+            <a:avLst/>
+          </a:prstGeom>
+          <a:noFill/>
+        </p:spPr>
+        <p:txBody>
+          <a:bodyPr wrap="square" rtlCol="0">
+            <a:spAutoFit/>
+          </a:bodyPr>
+          <a:lstStyle/>
+          <a:p>
+            <a:r>
+              <a:rPr lang="en-US" dirty="0" smtClean="0"/>
+              <a:t>IMEI no</a:t>
+            </a:r>
+            <a:endParaRPr lang="en-US" dirty="0"/>
+          </a:p>
+        </p:txBody>
+      </p:sp>
+    </p:spTree>
+    <p:extLst>
+      <p:ext uri="{BB962C8B-B14F-4D97-AF65-F5344CB8AC3E}">
+        <p14:creationId xmlns:p14="http://schemas.microsoft.com/office/powerpoint/2010/main" val="3072585613"/>
+      </p:ext>
+    </p:extLst>
+  </p:cSld>
+  <p:clrMapOvr>
+    <a:masterClrMapping/>
+  </p:clrMapOvr>
+</p:sld>
+</file>
+
+<file path=ppt/slides/slide11.xml><?xml version="1.0" encoding="utf-8"?>
+<p:sld xmlns:a="http://schemas.openxmlformats.org/drawingml/2006/main" xmlns:r="http://schemas.openxmlformats.org/officeDocument/2006/relationships" xmlns:p="http://schemas.openxmlformats.org/presentationml/2006/main">
+  <p:cSld>
+    <p:spTree>
+      <p:nvGrpSpPr>
+        <p:cNvPr id="1" name=""/>
+        <p:cNvGrpSpPr/>
+        <p:nvPr/>
+      </p:nvGrpSpPr>
+      <p:grpSpPr>
+        <a:xfrm>
+          <a:off x="0" y="0"/>
+          <a:ext cx="0" cy="0"/>
+          <a:chOff x="0" y="0"/>
+          <a:chExt cx="0" cy="0"/>
+        </a:xfrm>
+      </p:grpSpPr>
+      <p:sp>
+        <p:nvSpPr>
+          <p:cNvPr id="28" name="Rectangle 27"/>
+          <p:cNvSpPr/>
+          <p:nvPr/>
+        </p:nvSpPr>
+        <p:spPr>
+          <a:xfrm>
+            <a:off x="9738369" y="1426605"/>
+            <a:ext cx="879589" cy="211126"/>
+          </a:xfrm>
+          <a:prstGeom prst="rect">
+            <a:avLst/>
+          </a:prstGeom>
+        </p:spPr>
+        <p:style>
+          <a:lnRef idx="2">
+            <a:schemeClr val="accent1">
+              <a:shade val="50000"/>
+            </a:schemeClr>
+          </a:lnRef>
+          <a:fillRef idx="1">
+            <a:schemeClr val="accent1"/>
+          </a:fillRef>
+          <a:effectRef idx="0">
+            <a:schemeClr val="accent1"/>
+          </a:effectRef>
+          <a:fontRef idx="minor">
+            <a:schemeClr val="lt1"/>
+          </a:fontRef>
+        </p:style>
+        <p:txBody>
+          <a:bodyPr rtlCol="0" anchor="ctr"/>
+          <a:lstStyle/>
+          <a:p>
+            <a:pPr algn="ctr"/>
+            <a:endParaRPr lang="en-US"/>
+          </a:p>
+        </p:txBody>
+      </p:sp>
+      <p:sp>
+        <p:nvSpPr>
+          <p:cNvPr id="23" name="Rectangle 22"/>
+          <p:cNvSpPr/>
+          <p:nvPr/>
+        </p:nvSpPr>
+        <p:spPr>
+          <a:xfrm>
+            <a:off x="709679" y="915838"/>
+            <a:ext cx="11300351" cy="5730622"/>
+          </a:xfrm>
+          <a:prstGeom prst="rect">
+            <a:avLst/>
+          </a:prstGeom>
+          <a:solidFill>
+            <a:schemeClr val="bg1">
+              <a:lumMod val="95000"/>
+            </a:schemeClr>
+          </a:solidFill>
+        </p:spPr>
+        <p:style>
+          <a:lnRef idx="2">
+            <a:schemeClr val="accent1">
+              <a:shade val="50000"/>
+            </a:schemeClr>
+          </a:lnRef>
+          <a:fillRef idx="1">
+            <a:schemeClr val="accent1"/>
+          </a:fillRef>
+          <a:effectRef idx="0">
+            <a:schemeClr val="accent1"/>
+          </a:effectRef>
+          <a:fontRef idx="minor">
+            <a:schemeClr val="lt1"/>
+          </a:fontRef>
+        </p:style>
+        <p:txBody>
+          <a:bodyPr rtlCol="0" anchor="ctr"/>
+          <a:lstStyle/>
+          <a:p>
+            <a:pPr algn="ctr"/>
+            <a:endParaRPr lang="en-US"/>
+          </a:p>
+        </p:txBody>
+      </p:sp>
+      <p:sp>
+        <p:nvSpPr>
+          <p:cNvPr id="4" name="Rectangle 3"/>
+          <p:cNvSpPr/>
+          <p:nvPr/>
+        </p:nvSpPr>
+        <p:spPr>
+          <a:xfrm>
+            <a:off x="0" y="0"/>
+            <a:ext cx="12192000" cy="723331"/>
+          </a:xfrm>
+          <a:prstGeom prst="rect">
+            <a:avLst/>
+          </a:prstGeom>
+        </p:spPr>
+        <p:style>
+          <a:lnRef idx="2">
+            <a:schemeClr val="accent1">
+              <a:shade val="50000"/>
+            </a:schemeClr>
+          </a:lnRef>
+          <a:fillRef idx="1">
+            <a:schemeClr val="accent1"/>
+          </a:fillRef>
+          <a:effectRef idx="0">
+            <a:schemeClr val="accent1"/>
+          </a:effectRef>
+          <a:fontRef idx="minor">
+            <a:schemeClr val="lt1"/>
+          </a:fontRef>
+        </p:style>
+        <p:txBody>
+          <a:bodyPr rtlCol="0" anchor="ctr"/>
+          <a:lstStyle/>
+          <a:p>
+            <a:pPr algn="ctr"/>
+            <a:endParaRPr lang="en-US"/>
+          </a:p>
+        </p:txBody>
+      </p:sp>
+      <p:sp>
+        <p:nvSpPr>
+          <p:cNvPr id="5" name="Rectangle 4"/>
+          <p:cNvSpPr/>
+          <p:nvPr/>
+        </p:nvSpPr>
+        <p:spPr>
+          <a:xfrm>
+            <a:off x="0" y="1"/>
+            <a:ext cx="532263" cy="6858000"/>
+          </a:xfrm>
+          <a:prstGeom prst="rect">
+            <a:avLst/>
+          </a:prstGeom>
+        </p:spPr>
+        <p:style>
+          <a:lnRef idx="2">
+            <a:schemeClr val="accent1">
+              <a:shade val="50000"/>
+            </a:schemeClr>
+          </a:lnRef>
+          <a:fillRef idx="1">
+            <a:schemeClr val="accent1"/>
+          </a:fillRef>
+          <a:effectRef idx="0">
+            <a:schemeClr val="accent1"/>
+          </a:effectRef>
+          <a:fontRef idx="minor">
+            <a:schemeClr val="lt1"/>
+          </a:fontRef>
+        </p:style>
+        <p:txBody>
+          <a:bodyPr rtlCol="0" anchor="ctr"/>
+          <a:lstStyle/>
+          <a:p>
+            <a:pPr algn="ctr"/>
+            <a:endParaRPr lang="en-US"/>
+          </a:p>
+        </p:txBody>
+      </p:sp>
+      <p:sp>
+        <p:nvSpPr>
+          <p:cNvPr id="6" name="TextBox 5"/>
+          <p:cNvSpPr txBox="1"/>
+          <p:nvPr/>
+        </p:nvSpPr>
+        <p:spPr>
+          <a:xfrm flipH="1">
+            <a:off x="755398" y="169334"/>
+            <a:ext cx="1127989" cy="369332"/>
+          </a:xfrm>
+          <a:prstGeom prst="rect">
+            <a:avLst/>
+          </a:prstGeom>
+          <a:noFill/>
+        </p:spPr>
+        <p:txBody>
+          <a:bodyPr wrap="square" rtlCol="0">
+            <a:spAutoFit/>
+          </a:bodyPr>
+          <a:lstStyle/>
+          <a:p>
+            <a:r>
+              <a:rPr lang="en-US" dirty="0" smtClean="0"/>
+              <a:t>Logo</a:t>
+            </a:r>
+            <a:endParaRPr lang="en-US" dirty="0"/>
+          </a:p>
+        </p:txBody>
+      </p:sp>
+      <p:sp>
+        <p:nvSpPr>
+          <p:cNvPr id="7" name="Oval 6"/>
+          <p:cNvSpPr/>
+          <p:nvPr/>
+        </p:nvSpPr>
+        <p:spPr>
+          <a:xfrm>
+            <a:off x="11232107" y="169334"/>
+            <a:ext cx="614150" cy="369332"/>
+          </a:xfrm>
+          <a:prstGeom prst="ellipse">
+            <a:avLst/>
+          </a:prstGeom>
+        </p:spPr>
+        <p:style>
+          <a:lnRef idx="2">
+            <a:schemeClr val="accent1">
+              <a:shade val="50000"/>
+            </a:schemeClr>
+          </a:lnRef>
+          <a:fillRef idx="1">
+            <a:schemeClr val="accent1"/>
+          </a:fillRef>
+          <a:effectRef idx="0">
+            <a:schemeClr val="accent1"/>
+          </a:effectRef>
+          <a:fontRef idx="minor">
+            <a:schemeClr val="lt1"/>
+          </a:fontRef>
+        </p:style>
+        <p:txBody>
+          <a:bodyPr rtlCol="0" anchor="ctr"/>
+          <a:lstStyle/>
+          <a:p>
+            <a:pPr algn="ctr"/>
+            <a:endParaRPr lang="en-US"/>
+          </a:p>
+        </p:txBody>
+      </p:sp>
+      <p:sp>
+        <p:nvSpPr>
+          <p:cNvPr id="8" name="TextBox 7"/>
+          <p:cNvSpPr txBox="1"/>
+          <p:nvPr/>
+        </p:nvSpPr>
+        <p:spPr>
+          <a:xfrm>
+            <a:off x="11404979" y="169334"/>
+            <a:ext cx="409433" cy="369332"/>
+          </a:xfrm>
+          <a:prstGeom prst="rect">
+            <a:avLst/>
+          </a:prstGeom>
+          <a:noFill/>
+        </p:spPr>
+        <p:txBody>
+          <a:bodyPr wrap="square" rtlCol="0">
+            <a:spAutoFit/>
+          </a:bodyPr>
+          <a:lstStyle/>
+          <a:p>
+            <a:r>
+              <a:rPr lang="en-US" dirty="0" smtClean="0"/>
+              <a:t>B</a:t>
+            </a:r>
+            <a:endParaRPr lang="en-US" dirty="0"/>
+          </a:p>
+        </p:txBody>
+      </p:sp>
+      <p:cxnSp>
+        <p:nvCxnSpPr>
+          <p:cNvPr id="15" name="Straight Connector 14"/>
+          <p:cNvCxnSpPr/>
+          <p:nvPr/>
+        </p:nvCxnSpPr>
+        <p:spPr>
+          <a:xfrm>
+            <a:off x="109182" y="169334"/>
+            <a:ext cx="327546" cy="0"/>
+          </a:xfrm>
+          <a:prstGeom prst="line">
+            <a:avLst/>
+          </a:prstGeom>
+        </p:spPr>
+        <p:style>
+          <a:lnRef idx="1">
+            <a:schemeClr val="accent2"/>
+          </a:lnRef>
+          <a:fillRef idx="0">
+            <a:schemeClr val="accent2"/>
+          </a:fillRef>
+          <a:effectRef idx="0">
+            <a:schemeClr val="accent2"/>
+          </a:effectRef>
+          <a:fontRef idx="minor">
+            <a:schemeClr val="tx1"/>
+          </a:fontRef>
+        </p:style>
+      </p:cxnSp>
+      <p:cxnSp>
+        <p:nvCxnSpPr>
+          <p:cNvPr id="17" name="Straight Connector 16"/>
+          <p:cNvCxnSpPr/>
+          <p:nvPr/>
+        </p:nvCxnSpPr>
+        <p:spPr>
+          <a:xfrm>
+            <a:off x="111454" y="280790"/>
+            <a:ext cx="327546" cy="0"/>
+          </a:xfrm>
+          <a:prstGeom prst="line">
+            <a:avLst/>
+          </a:prstGeom>
+        </p:spPr>
+        <p:style>
+          <a:lnRef idx="1">
+            <a:schemeClr val="accent2"/>
+          </a:lnRef>
+          <a:fillRef idx="0">
+            <a:schemeClr val="accent2"/>
+          </a:fillRef>
+          <a:effectRef idx="0">
+            <a:schemeClr val="accent2"/>
+          </a:effectRef>
+          <a:fontRef idx="minor">
+            <a:schemeClr val="tx1"/>
+          </a:fontRef>
+        </p:style>
+      </p:cxnSp>
+      <p:cxnSp>
+        <p:nvCxnSpPr>
+          <p:cNvPr id="18" name="Straight Connector 17"/>
+          <p:cNvCxnSpPr/>
+          <p:nvPr/>
+        </p:nvCxnSpPr>
+        <p:spPr>
+          <a:xfrm>
+            <a:off x="127374" y="392246"/>
+            <a:ext cx="327546" cy="0"/>
+          </a:xfrm>
+          <a:prstGeom prst="line">
+            <a:avLst/>
+          </a:prstGeom>
+        </p:spPr>
+        <p:style>
+          <a:lnRef idx="1">
+            <a:schemeClr val="accent2"/>
+          </a:lnRef>
+          <a:fillRef idx="0">
+            <a:schemeClr val="accent2"/>
+          </a:fillRef>
+          <a:effectRef idx="0">
+            <a:schemeClr val="accent2"/>
+          </a:effectRef>
+          <a:fontRef idx="minor">
+            <a:schemeClr val="tx1"/>
+          </a:fontRef>
+        </p:style>
+      </p:cxnSp>
+      <p:sp>
+        <p:nvSpPr>
+          <p:cNvPr id="19" name="Rectangle 18"/>
+          <p:cNvSpPr/>
+          <p:nvPr/>
+        </p:nvSpPr>
+        <p:spPr>
+          <a:xfrm>
+            <a:off x="109182" y="915838"/>
+            <a:ext cx="327546" cy="338554"/>
+          </a:xfrm>
+          <a:prstGeom prst="rect">
+            <a:avLst/>
+          </a:prstGeom>
+          <a:solidFill>
+            <a:schemeClr val="accent6">
+              <a:lumMod val="75000"/>
+            </a:schemeClr>
+          </a:solidFill>
+        </p:spPr>
+        <p:style>
+          <a:lnRef idx="2">
+            <a:schemeClr val="accent1">
+              <a:shade val="50000"/>
+            </a:schemeClr>
+          </a:lnRef>
+          <a:fillRef idx="1">
+            <a:schemeClr val="accent1"/>
+          </a:fillRef>
+          <a:effectRef idx="0">
+            <a:schemeClr val="accent1"/>
+          </a:effectRef>
+          <a:fontRef idx="minor">
+            <a:schemeClr val="lt1"/>
+          </a:fontRef>
+        </p:style>
+        <p:txBody>
+          <a:bodyPr rtlCol="0" anchor="ctr"/>
+          <a:lstStyle/>
+          <a:p>
+            <a:pPr algn="ctr"/>
+            <a:endParaRPr lang="en-US"/>
+          </a:p>
+        </p:txBody>
+      </p:sp>
+      <p:sp>
+        <p:nvSpPr>
+          <p:cNvPr id="20" name="Rectangle 19"/>
+          <p:cNvSpPr/>
+          <p:nvPr/>
+        </p:nvSpPr>
+        <p:spPr>
+          <a:xfrm>
+            <a:off x="111454" y="1436727"/>
+            <a:ext cx="327546" cy="338554"/>
+          </a:xfrm>
+          <a:prstGeom prst="rect">
+            <a:avLst/>
+          </a:prstGeom>
+          <a:solidFill>
+            <a:schemeClr val="accent6">
+              <a:lumMod val="75000"/>
+            </a:schemeClr>
+          </a:solidFill>
+        </p:spPr>
+        <p:style>
+          <a:lnRef idx="2">
+            <a:schemeClr val="accent1">
+              <a:shade val="50000"/>
+            </a:schemeClr>
+          </a:lnRef>
+          <a:fillRef idx="1">
+            <a:schemeClr val="accent1"/>
+          </a:fillRef>
+          <a:effectRef idx="0">
+            <a:schemeClr val="accent1"/>
+          </a:effectRef>
+          <a:fontRef idx="minor">
+            <a:schemeClr val="lt1"/>
+          </a:fontRef>
+        </p:style>
+        <p:txBody>
+          <a:bodyPr rtlCol="0" anchor="ctr"/>
+          <a:lstStyle/>
+          <a:p>
+            <a:pPr algn="ctr"/>
+            <a:endParaRPr lang="en-US"/>
+          </a:p>
+        </p:txBody>
+      </p:sp>
+      <p:sp>
+        <p:nvSpPr>
+          <p:cNvPr id="21" name="Rectangle 20"/>
+          <p:cNvSpPr/>
+          <p:nvPr/>
+        </p:nvSpPr>
+        <p:spPr>
+          <a:xfrm>
+            <a:off x="111454" y="1982640"/>
+            <a:ext cx="327546" cy="338554"/>
+          </a:xfrm>
+          <a:prstGeom prst="rect">
+            <a:avLst/>
+          </a:prstGeom>
+          <a:solidFill>
+            <a:schemeClr val="accent6">
+              <a:lumMod val="75000"/>
+            </a:schemeClr>
+          </a:solidFill>
+        </p:spPr>
+        <p:style>
+          <a:lnRef idx="2">
+            <a:schemeClr val="accent1">
+              <a:shade val="50000"/>
+            </a:schemeClr>
+          </a:lnRef>
+          <a:fillRef idx="1">
+            <a:schemeClr val="accent1"/>
+          </a:fillRef>
+          <a:effectRef idx="0">
+            <a:schemeClr val="accent1"/>
+          </a:effectRef>
+          <a:fontRef idx="minor">
+            <a:schemeClr val="lt1"/>
+          </a:fontRef>
+        </p:style>
+        <p:txBody>
+          <a:bodyPr rtlCol="0" anchor="ctr"/>
+          <a:lstStyle/>
+          <a:p>
+            <a:pPr algn="ctr"/>
+            <a:endParaRPr lang="en-US"/>
+          </a:p>
+        </p:txBody>
+      </p:sp>
+      <p:sp>
+        <p:nvSpPr>
+          <p:cNvPr id="2" name="TextBox 1"/>
+          <p:cNvSpPr txBox="1"/>
+          <p:nvPr/>
+        </p:nvSpPr>
+        <p:spPr>
+          <a:xfrm>
+            <a:off x="709679" y="915838"/>
             <a:ext cx="1487611" cy="369332"/>
           </a:xfrm>
           <a:prstGeom prst="rect">
@@ -5581,6 +6676,1244 @@
 </file>
 
 <file path=ppt/slides/slide2.xml><?xml version="1.0" encoding="utf-8"?>
+<p:sld xmlns:a="http://schemas.openxmlformats.org/drawingml/2006/main" xmlns:r="http://schemas.openxmlformats.org/officeDocument/2006/relationships" xmlns:p="http://schemas.openxmlformats.org/presentationml/2006/main">
+  <p:cSld>
+    <p:spTree>
+      <p:nvGrpSpPr>
+        <p:cNvPr id="1" name=""/>
+        <p:cNvGrpSpPr/>
+        <p:nvPr/>
+      </p:nvGrpSpPr>
+      <p:grpSpPr>
+        <a:xfrm>
+          <a:off x="0" y="0"/>
+          <a:ext cx="0" cy="0"/>
+          <a:chOff x="0" y="0"/>
+          <a:chExt cx="0" cy="0"/>
+        </a:xfrm>
+      </p:grpSpPr>
+      <p:sp>
+        <p:nvSpPr>
+          <p:cNvPr id="28" name="Rectangle 27"/>
+          <p:cNvSpPr/>
+          <p:nvPr/>
+        </p:nvSpPr>
+        <p:spPr>
+          <a:xfrm>
+            <a:off x="9738369" y="1426605"/>
+            <a:ext cx="879589" cy="211126"/>
+          </a:xfrm>
+          <a:prstGeom prst="rect">
+            <a:avLst/>
+          </a:prstGeom>
+        </p:spPr>
+        <p:style>
+          <a:lnRef idx="2">
+            <a:schemeClr val="accent1">
+              <a:shade val="50000"/>
+            </a:schemeClr>
+          </a:lnRef>
+          <a:fillRef idx="1">
+            <a:schemeClr val="accent1"/>
+          </a:fillRef>
+          <a:effectRef idx="0">
+            <a:schemeClr val="accent1"/>
+          </a:effectRef>
+          <a:fontRef idx="minor">
+            <a:schemeClr val="lt1"/>
+          </a:fontRef>
+        </p:style>
+        <p:txBody>
+          <a:bodyPr rtlCol="0" anchor="ctr"/>
+          <a:lstStyle/>
+          <a:p>
+            <a:pPr algn="ctr"/>
+            <a:endParaRPr lang="en-US"/>
+          </a:p>
+        </p:txBody>
+      </p:sp>
+      <p:sp>
+        <p:nvSpPr>
+          <p:cNvPr id="23" name="Rectangle 22"/>
+          <p:cNvSpPr/>
+          <p:nvPr/>
+        </p:nvSpPr>
+        <p:spPr>
+          <a:xfrm>
+            <a:off x="709679" y="915838"/>
+            <a:ext cx="11300351" cy="5730622"/>
+          </a:xfrm>
+          <a:prstGeom prst="rect">
+            <a:avLst/>
+          </a:prstGeom>
+          <a:solidFill>
+            <a:schemeClr val="bg1">
+              <a:lumMod val="95000"/>
+            </a:schemeClr>
+          </a:solidFill>
+        </p:spPr>
+        <p:style>
+          <a:lnRef idx="2">
+            <a:schemeClr val="accent1">
+              <a:shade val="50000"/>
+            </a:schemeClr>
+          </a:lnRef>
+          <a:fillRef idx="1">
+            <a:schemeClr val="accent1"/>
+          </a:fillRef>
+          <a:effectRef idx="0">
+            <a:schemeClr val="accent1"/>
+          </a:effectRef>
+          <a:fontRef idx="minor">
+            <a:schemeClr val="lt1"/>
+          </a:fontRef>
+        </p:style>
+        <p:txBody>
+          <a:bodyPr rtlCol="0" anchor="ctr"/>
+          <a:lstStyle/>
+          <a:p>
+            <a:pPr algn="ctr"/>
+            <a:endParaRPr lang="en-US"/>
+          </a:p>
+        </p:txBody>
+      </p:sp>
+      <p:sp>
+        <p:nvSpPr>
+          <p:cNvPr id="4" name="Rectangle 3"/>
+          <p:cNvSpPr/>
+          <p:nvPr/>
+        </p:nvSpPr>
+        <p:spPr>
+          <a:xfrm>
+            <a:off x="0" y="0"/>
+            <a:ext cx="12192000" cy="723331"/>
+          </a:xfrm>
+          <a:prstGeom prst="rect">
+            <a:avLst/>
+          </a:prstGeom>
+        </p:spPr>
+        <p:style>
+          <a:lnRef idx="2">
+            <a:schemeClr val="accent1">
+              <a:shade val="50000"/>
+            </a:schemeClr>
+          </a:lnRef>
+          <a:fillRef idx="1">
+            <a:schemeClr val="accent1"/>
+          </a:fillRef>
+          <a:effectRef idx="0">
+            <a:schemeClr val="accent1"/>
+          </a:effectRef>
+          <a:fontRef idx="minor">
+            <a:schemeClr val="lt1"/>
+          </a:fontRef>
+        </p:style>
+        <p:txBody>
+          <a:bodyPr rtlCol="0" anchor="ctr"/>
+          <a:lstStyle/>
+          <a:p>
+            <a:pPr algn="ctr"/>
+            <a:endParaRPr lang="en-US"/>
+          </a:p>
+        </p:txBody>
+      </p:sp>
+      <p:sp>
+        <p:nvSpPr>
+          <p:cNvPr id="5" name="Rectangle 4"/>
+          <p:cNvSpPr/>
+          <p:nvPr/>
+        </p:nvSpPr>
+        <p:spPr>
+          <a:xfrm>
+            <a:off x="0" y="1"/>
+            <a:ext cx="532263" cy="6858000"/>
+          </a:xfrm>
+          <a:prstGeom prst="rect">
+            <a:avLst/>
+          </a:prstGeom>
+        </p:spPr>
+        <p:style>
+          <a:lnRef idx="2">
+            <a:schemeClr val="accent1">
+              <a:shade val="50000"/>
+            </a:schemeClr>
+          </a:lnRef>
+          <a:fillRef idx="1">
+            <a:schemeClr val="accent1"/>
+          </a:fillRef>
+          <a:effectRef idx="0">
+            <a:schemeClr val="accent1"/>
+          </a:effectRef>
+          <a:fontRef idx="minor">
+            <a:schemeClr val="lt1"/>
+          </a:fontRef>
+        </p:style>
+        <p:txBody>
+          <a:bodyPr rtlCol="0" anchor="ctr"/>
+          <a:lstStyle/>
+          <a:p>
+            <a:pPr algn="ctr"/>
+            <a:endParaRPr lang="en-US"/>
+          </a:p>
+        </p:txBody>
+      </p:sp>
+      <p:sp>
+        <p:nvSpPr>
+          <p:cNvPr id="6" name="TextBox 5"/>
+          <p:cNvSpPr txBox="1"/>
+          <p:nvPr/>
+        </p:nvSpPr>
+        <p:spPr>
+          <a:xfrm flipH="1">
+            <a:off x="755398" y="169334"/>
+            <a:ext cx="1127989" cy="369332"/>
+          </a:xfrm>
+          <a:prstGeom prst="rect">
+            <a:avLst/>
+          </a:prstGeom>
+          <a:noFill/>
+        </p:spPr>
+        <p:txBody>
+          <a:bodyPr wrap="square" rtlCol="0">
+            <a:spAutoFit/>
+          </a:bodyPr>
+          <a:lstStyle/>
+          <a:p>
+            <a:r>
+              <a:rPr lang="en-US" dirty="0" smtClean="0"/>
+              <a:t>Logo</a:t>
+            </a:r>
+            <a:endParaRPr lang="en-US" dirty="0"/>
+          </a:p>
+        </p:txBody>
+      </p:sp>
+      <p:sp>
+        <p:nvSpPr>
+          <p:cNvPr id="7" name="Oval 6"/>
+          <p:cNvSpPr/>
+          <p:nvPr/>
+        </p:nvSpPr>
+        <p:spPr>
+          <a:xfrm>
+            <a:off x="11232107" y="169334"/>
+            <a:ext cx="614150" cy="369332"/>
+          </a:xfrm>
+          <a:prstGeom prst="ellipse">
+            <a:avLst/>
+          </a:prstGeom>
+        </p:spPr>
+        <p:style>
+          <a:lnRef idx="2">
+            <a:schemeClr val="accent1">
+              <a:shade val="50000"/>
+            </a:schemeClr>
+          </a:lnRef>
+          <a:fillRef idx="1">
+            <a:schemeClr val="accent1"/>
+          </a:fillRef>
+          <a:effectRef idx="0">
+            <a:schemeClr val="accent1"/>
+          </a:effectRef>
+          <a:fontRef idx="minor">
+            <a:schemeClr val="lt1"/>
+          </a:fontRef>
+        </p:style>
+        <p:txBody>
+          <a:bodyPr rtlCol="0" anchor="ctr"/>
+          <a:lstStyle/>
+          <a:p>
+            <a:pPr algn="ctr"/>
+            <a:endParaRPr lang="en-US"/>
+          </a:p>
+        </p:txBody>
+      </p:sp>
+      <p:sp>
+        <p:nvSpPr>
+          <p:cNvPr id="8" name="TextBox 7"/>
+          <p:cNvSpPr txBox="1"/>
+          <p:nvPr/>
+        </p:nvSpPr>
+        <p:spPr>
+          <a:xfrm>
+            <a:off x="11404979" y="169334"/>
+            <a:ext cx="409433" cy="369332"/>
+          </a:xfrm>
+          <a:prstGeom prst="rect">
+            <a:avLst/>
+          </a:prstGeom>
+          <a:noFill/>
+        </p:spPr>
+        <p:txBody>
+          <a:bodyPr wrap="square" rtlCol="0">
+            <a:spAutoFit/>
+          </a:bodyPr>
+          <a:lstStyle/>
+          <a:p>
+            <a:r>
+              <a:rPr lang="en-US" dirty="0" smtClean="0"/>
+              <a:t>B</a:t>
+            </a:r>
+            <a:endParaRPr lang="en-US" dirty="0"/>
+          </a:p>
+        </p:txBody>
+      </p:sp>
+      <p:cxnSp>
+        <p:nvCxnSpPr>
+          <p:cNvPr id="15" name="Straight Connector 14"/>
+          <p:cNvCxnSpPr/>
+          <p:nvPr/>
+        </p:nvCxnSpPr>
+        <p:spPr>
+          <a:xfrm>
+            <a:off x="109182" y="169334"/>
+            <a:ext cx="327546" cy="0"/>
+          </a:xfrm>
+          <a:prstGeom prst="line">
+            <a:avLst/>
+          </a:prstGeom>
+        </p:spPr>
+        <p:style>
+          <a:lnRef idx="1">
+            <a:schemeClr val="accent2"/>
+          </a:lnRef>
+          <a:fillRef idx="0">
+            <a:schemeClr val="accent2"/>
+          </a:fillRef>
+          <a:effectRef idx="0">
+            <a:schemeClr val="accent2"/>
+          </a:effectRef>
+          <a:fontRef idx="minor">
+            <a:schemeClr val="tx1"/>
+          </a:fontRef>
+        </p:style>
+      </p:cxnSp>
+      <p:cxnSp>
+        <p:nvCxnSpPr>
+          <p:cNvPr id="17" name="Straight Connector 16"/>
+          <p:cNvCxnSpPr/>
+          <p:nvPr/>
+        </p:nvCxnSpPr>
+        <p:spPr>
+          <a:xfrm>
+            <a:off x="111454" y="280790"/>
+            <a:ext cx="327546" cy="0"/>
+          </a:xfrm>
+          <a:prstGeom prst="line">
+            <a:avLst/>
+          </a:prstGeom>
+        </p:spPr>
+        <p:style>
+          <a:lnRef idx="1">
+            <a:schemeClr val="accent2"/>
+          </a:lnRef>
+          <a:fillRef idx="0">
+            <a:schemeClr val="accent2"/>
+          </a:fillRef>
+          <a:effectRef idx="0">
+            <a:schemeClr val="accent2"/>
+          </a:effectRef>
+          <a:fontRef idx="minor">
+            <a:schemeClr val="tx1"/>
+          </a:fontRef>
+        </p:style>
+      </p:cxnSp>
+      <p:cxnSp>
+        <p:nvCxnSpPr>
+          <p:cNvPr id="18" name="Straight Connector 17"/>
+          <p:cNvCxnSpPr/>
+          <p:nvPr/>
+        </p:nvCxnSpPr>
+        <p:spPr>
+          <a:xfrm>
+            <a:off x="127374" y="392246"/>
+            <a:ext cx="327546" cy="0"/>
+          </a:xfrm>
+          <a:prstGeom prst="line">
+            <a:avLst/>
+          </a:prstGeom>
+        </p:spPr>
+        <p:style>
+          <a:lnRef idx="1">
+            <a:schemeClr val="accent2"/>
+          </a:lnRef>
+          <a:fillRef idx="0">
+            <a:schemeClr val="accent2"/>
+          </a:fillRef>
+          <a:effectRef idx="0">
+            <a:schemeClr val="accent2"/>
+          </a:effectRef>
+          <a:fontRef idx="minor">
+            <a:schemeClr val="tx1"/>
+          </a:fontRef>
+        </p:style>
+      </p:cxnSp>
+      <p:sp>
+        <p:nvSpPr>
+          <p:cNvPr id="19" name="Rectangle 18"/>
+          <p:cNvSpPr/>
+          <p:nvPr/>
+        </p:nvSpPr>
+        <p:spPr>
+          <a:xfrm>
+            <a:off x="109182" y="915838"/>
+            <a:ext cx="327546" cy="338554"/>
+          </a:xfrm>
+          <a:prstGeom prst="rect">
+            <a:avLst/>
+          </a:prstGeom>
+          <a:solidFill>
+            <a:schemeClr val="accent6">
+              <a:lumMod val="75000"/>
+            </a:schemeClr>
+          </a:solidFill>
+        </p:spPr>
+        <p:style>
+          <a:lnRef idx="2">
+            <a:schemeClr val="accent1">
+              <a:shade val="50000"/>
+            </a:schemeClr>
+          </a:lnRef>
+          <a:fillRef idx="1">
+            <a:schemeClr val="accent1"/>
+          </a:fillRef>
+          <a:effectRef idx="0">
+            <a:schemeClr val="accent1"/>
+          </a:effectRef>
+          <a:fontRef idx="minor">
+            <a:schemeClr val="lt1"/>
+          </a:fontRef>
+        </p:style>
+        <p:txBody>
+          <a:bodyPr rtlCol="0" anchor="ctr"/>
+          <a:lstStyle/>
+          <a:p>
+            <a:pPr algn="ctr"/>
+            <a:endParaRPr lang="en-US"/>
+          </a:p>
+        </p:txBody>
+      </p:sp>
+      <p:sp>
+        <p:nvSpPr>
+          <p:cNvPr id="20" name="Rectangle 19"/>
+          <p:cNvSpPr/>
+          <p:nvPr/>
+        </p:nvSpPr>
+        <p:spPr>
+          <a:xfrm>
+            <a:off x="111454" y="1436727"/>
+            <a:ext cx="327546" cy="338554"/>
+          </a:xfrm>
+          <a:prstGeom prst="rect">
+            <a:avLst/>
+          </a:prstGeom>
+          <a:solidFill>
+            <a:schemeClr val="accent6">
+              <a:lumMod val="75000"/>
+            </a:schemeClr>
+          </a:solidFill>
+        </p:spPr>
+        <p:style>
+          <a:lnRef idx="2">
+            <a:schemeClr val="accent1">
+              <a:shade val="50000"/>
+            </a:schemeClr>
+          </a:lnRef>
+          <a:fillRef idx="1">
+            <a:schemeClr val="accent1"/>
+          </a:fillRef>
+          <a:effectRef idx="0">
+            <a:schemeClr val="accent1"/>
+          </a:effectRef>
+          <a:fontRef idx="minor">
+            <a:schemeClr val="lt1"/>
+          </a:fontRef>
+        </p:style>
+        <p:txBody>
+          <a:bodyPr rtlCol="0" anchor="ctr"/>
+          <a:lstStyle/>
+          <a:p>
+            <a:pPr algn="ctr"/>
+            <a:endParaRPr lang="en-US"/>
+          </a:p>
+        </p:txBody>
+      </p:sp>
+      <p:sp>
+        <p:nvSpPr>
+          <p:cNvPr id="21" name="Rectangle 20"/>
+          <p:cNvSpPr/>
+          <p:nvPr/>
+        </p:nvSpPr>
+        <p:spPr>
+          <a:xfrm>
+            <a:off x="111454" y="1982640"/>
+            <a:ext cx="327546" cy="338554"/>
+          </a:xfrm>
+          <a:prstGeom prst="rect">
+            <a:avLst/>
+          </a:prstGeom>
+          <a:solidFill>
+            <a:schemeClr val="accent6">
+              <a:lumMod val="75000"/>
+            </a:schemeClr>
+          </a:solidFill>
+        </p:spPr>
+        <p:style>
+          <a:lnRef idx="2">
+            <a:schemeClr val="accent1">
+              <a:shade val="50000"/>
+            </a:schemeClr>
+          </a:lnRef>
+          <a:fillRef idx="1">
+            <a:schemeClr val="accent1"/>
+          </a:fillRef>
+          <a:effectRef idx="0">
+            <a:schemeClr val="accent1"/>
+          </a:effectRef>
+          <a:fontRef idx="minor">
+            <a:schemeClr val="lt1"/>
+          </a:fontRef>
+        </p:style>
+        <p:txBody>
+          <a:bodyPr rtlCol="0" anchor="ctr"/>
+          <a:lstStyle/>
+          <a:p>
+            <a:pPr algn="ctr"/>
+            <a:endParaRPr lang="en-US"/>
+          </a:p>
+        </p:txBody>
+      </p:sp>
+      <p:sp>
+        <p:nvSpPr>
+          <p:cNvPr id="2" name="TextBox 1"/>
+          <p:cNvSpPr txBox="1"/>
+          <p:nvPr/>
+        </p:nvSpPr>
+        <p:spPr>
+          <a:xfrm>
+            <a:off x="709679" y="915838"/>
+            <a:ext cx="1487611" cy="369332"/>
+          </a:xfrm>
+          <a:prstGeom prst="rect">
+            <a:avLst/>
+          </a:prstGeom>
+          <a:noFill/>
+        </p:spPr>
+        <p:txBody>
+          <a:bodyPr wrap="square" rtlCol="0">
+            <a:spAutoFit/>
+          </a:bodyPr>
+          <a:lstStyle/>
+          <a:p>
+            <a:r>
+              <a:rPr lang="en-US" dirty="0" smtClean="0"/>
+              <a:t>Dashboard</a:t>
+            </a:r>
+            <a:endParaRPr lang="en-US" dirty="0"/>
+          </a:p>
+        </p:txBody>
+      </p:sp>
+      <p:pic>
+        <p:nvPicPr>
+          <p:cNvPr id="30" name="Picture 29"/>
+          <p:cNvPicPr>
+            <a:picLocks noChangeAspect="1"/>
+          </p:cNvPicPr>
+          <p:nvPr/>
+        </p:nvPicPr>
+        <p:blipFill>
+          <a:blip r:embed="rId3" cstate="print">
+            <a:extLst>
+              <a:ext uri="{28A0092B-C50C-407E-A947-70E740481C1C}">
+                <a14:useLocalDpi xmlns:a14="http://schemas.microsoft.com/office/drawing/2010/main" val="0"/>
+              </a:ext>
+            </a:extLst>
+          </a:blip>
+          <a:stretch>
+            <a:fillRect/>
+          </a:stretch>
+        </p:blipFill>
+        <p:spPr>
+          <a:xfrm>
+            <a:off x="47820" y="922640"/>
+            <a:ext cx="457261" cy="373893"/>
+          </a:xfrm>
+          <a:prstGeom prst="rect">
+            <a:avLst/>
+          </a:prstGeom>
+        </p:spPr>
+      </p:pic>
+      <p:pic>
+        <p:nvPicPr>
+          <p:cNvPr id="31" name="Picture 30"/>
+          <p:cNvPicPr>
+            <a:picLocks noChangeAspect="1"/>
+          </p:cNvPicPr>
+          <p:nvPr/>
+        </p:nvPicPr>
+        <p:blipFill>
+          <a:blip r:embed="rId4" cstate="print">
+            <a:extLst>
+              <a:ext uri="{28A0092B-C50C-407E-A947-70E740481C1C}">
+                <a14:useLocalDpi xmlns:a14="http://schemas.microsoft.com/office/drawing/2010/main" val="0"/>
+              </a:ext>
+            </a:extLst>
+          </a:blip>
+          <a:stretch>
+            <a:fillRect/>
+          </a:stretch>
+        </p:blipFill>
+        <p:spPr>
+          <a:xfrm>
+            <a:off x="44688" y="1932574"/>
+            <a:ext cx="446609" cy="432014"/>
+          </a:xfrm>
+          <a:prstGeom prst="rect">
+            <a:avLst/>
+          </a:prstGeom>
+        </p:spPr>
+      </p:pic>
+      <p:pic>
+        <p:nvPicPr>
+          <p:cNvPr id="32" name="Picture 31"/>
+          <p:cNvPicPr>
+            <a:picLocks noChangeAspect="1"/>
+          </p:cNvPicPr>
+          <p:nvPr/>
+        </p:nvPicPr>
+        <p:blipFill>
+          <a:blip r:embed="rId5" cstate="print">
+            <a:extLst>
+              <a:ext uri="{28A0092B-C50C-407E-A947-70E740481C1C}">
+                <a14:useLocalDpi xmlns:a14="http://schemas.microsoft.com/office/drawing/2010/main" val="0"/>
+              </a:ext>
+            </a:extLst>
+          </a:blip>
+          <a:stretch>
+            <a:fillRect/>
+          </a:stretch>
+        </p:blipFill>
+        <p:spPr>
+          <a:xfrm>
+            <a:off x="54865" y="1386665"/>
+            <a:ext cx="422796" cy="422796"/>
+          </a:xfrm>
+          <a:prstGeom prst="rect">
+            <a:avLst/>
+          </a:prstGeom>
+        </p:spPr>
+      </p:pic>
+      <p:sp>
+        <p:nvSpPr>
+          <p:cNvPr id="9" name="Rectangle 8"/>
+          <p:cNvSpPr/>
+          <p:nvPr/>
+        </p:nvSpPr>
+        <p:spPr>
+          <a:xfrm>
+            <a:off x="914400" y="1532168"/>
+            <a:ext cx="2693166" cy="1074554"/>
+          </a:xfrm>
+          <a:prstGeom prst="rect">
+            <a:avLst/>
+          </a:prstGeom>
+          <a:solidFill>
+            <a:schemeClr val="bg1"/>
+          </a:solidFill>
+        </p:spPr>
+        <p:style>
+          <a:lnRef idx="2">
+            <a:schemeClr val="accent1">
+              <a:shade val="50000"/>
+            </a:schemeClr>
+          </a:lnRef>
+          <a:fillRef idx="1">
+            <a:schemeClr val="accent1"/>
+          </a:fillRef>
+          <a:effectRef idx="0">
+            <a:schemeClr val="accent1"/>
+          </a:effectRef>
+          <a:fontRef idx="minor">
+            <a:schemeClr val="lt1"/>
+          </a:fontRef>
+        </p:style>
+        <p:txBody>
+          <a:bodyPr rtlCol="0" anchor="ctr"/>
+          <a:lstStyle/>
+          <a:p>
+            <a:pPr algn="ctr"/>
+            <a:endParaRPr lang="en-US" dirty="0"/>
+          </a:p>
+        </p:txBody>
+      </p:sp>
+      <p:pic>
+        <p:nvPicPr>
+          <p:cNvPr id="10" name="Picture 9"/>
+          <p:cNvPicPr>
+            <a:picLocks noChangeAspect="1"/>
+          </p:cNvPicPr>
+          <p:nvPr/>
+        </p:nvPicPr>
+        <p:blipFill>
+          <a:blip r:embed="rId6" cstate="print">
+            <a:extLst>
+              <a:ext uri="{28A0092B-C50C-407E-A947-70E740481C1C}">
+                <a14:useLocalDpi xmlns:a14="http://schemas.microsoft.com/office/drawing/2010/main" val="0"/>
+              </a:ext>
+            </a:extLst>
+          </a:blip>
+          <a:stretch>
+            <a:fillRect/>
+          </a:stretch>
+        </p:blipFill>
+        <p:spPr>
+          <a:xfrm>
+            <a:off x="979069" y="1755156"/>
+            <a:ext cx="648979" cy="578608"/>
+          </a:xfrm>
+          <a:prstGeom prst="rect">
+            <a:avLst/>
+          </a:prstGeom>
+        </p:spPr>
+      </p:pic>
+      <p:sp>
+        <p:nvSpPr>
+          <p:cNvPr id="33" name="Rectangle 32"/>
+          <p:cNvSpPr/>
+          <p:nvPr/>
+        </p:nvSpPr>
+        <p:spPr>
+          <a:xfrm>
+            <a:off x="3849364" y="1532168"/>
+            <a:ext cx="2660618" cy="1074554"/>
+          </a:xfrm>
+          <a:prstGeom prst="rect">
+            <a:avLst/>
+          </a:prstGeom>
+          <a:solidFill>
+            <a:schemeClr val="bg1"/>
+          </a:solidFill>
+        </p:spPr>
+        <p:style>
+          <a:lnRef idx="2">
+            <a:schemeClr val="accent1">
+              <a:shade val="50000"/>
+            </a:schemeClr>
+          </a:lnRef>
+          <a:fillRef idx="1">
+            <a:schemeClr val="accent1"/>
+          </a:fillRef>
+          <a:effectRef idx="0">
+            <a:schemeClr val="accent1"/>
+          </a:effectRef>
+          <a:fontRef idx="minor">
+            <a:schemeClr val="lt1"/>
+          </a:fontRef>
+        </p:style>
+        <p:txBody>
+          <a:bodyPr rtlCol="0" anchor="ctr"/>
+          <a:lstStyle/>
+          <a:p>
+            <a:pPr algn="ctr"/>
+            <a:endParaRPr lang="en-US"/>
+          </a:p>
+        </p:txBody>
+      </p:sp>
+      <p:sp>
+        <p:nvSpPr>
+          <p:cNvPr id="34" name="Rectangle 33"/>
+          <p:cNvSpPr/>
+          <p:nvPr/>
+        </p:nvSpPr>
+        <p:spPr>
+          <a:xfrm>
+            <a:off x="6906458" y="1532168"/>
+            <a:ext cx="2346729" cy="1074554"/>
+          </a:xfrm>
+          <a:prstGeom prst="rect">
+            <a:avLst/>
+          </a:prstGeom>
+          <a:solidFill>
+            <a:schemeClr val="bg1"/>
+          </a:solidFill>
+        </p:spPr>
+        <p:style>
+          <a:lnRef idx="2">
+            <a:schemeClr val="accent1">
+              <a:shade val="50000"/>
+            </a:schemeClr>
+          </a:lnRef>
+          <a:fillRef idx="1">
+            <a:schemeClr val="accent1"/>
+          </a:fillRef>
+          <a:effectRef idx="0">
+            <a:schemeClr val="accent1"/>
+          </a:effectRef>
+          <a:fontRef idx="minor">
+            <a:schemeClr val="lt1"/>
+          </a:fontRef>
+        </p:style>
+        <p:txBody>
+          <a:bodyPr rtlCol="0" anchor="ctr"/>
+          <a:lstStyle/>
+          <a:p>
+            <a:pPr algn="ctr"/>
+            <a:endParaRPr lang="en-US"/>
+          </a:p>
+        </p:txBody>
+      </p:sp>
+      <p:sp>
+        <p:nvSpPr>
+          <p:cNvPr id="35" name="Rectangle 34"/>
+          <p:cNvSpPr/>
+          <p:nvPr/>
+        </p:nvSpPr>
+        <p:spPr>
+          <a:xfrm>
+            <a:off x="9430603" y="1523065"/>
+            <a:ext cx="2543056" cy="1074554"/>
+          </a:xfrm>
+          <a:prstGeom prst="rect">
+            <a:avLst/>
+          </a:prstGeom>
+          <a:solidFill>
+            <a:schemeClr val="bg1"/>
+          </a:solidFill>
+        </p:spPr>
+        <p:style>
+          <a:lnRef idx="2">
+            <a:schemeClr val="accent1">
+              <a:shade val="50000"/>
+            </a:schemeClr>
+          </a:lnRef>
+          <a:fillRef idx="1">
+            <a:schemeClr val="accent1"/>
+          </a:fillRef>
+          <a:effectRef idx="0">
+            <a:schemeClr val="accent1"/>
+          </a:effectRef>
+          <a:fontRef idx="minor">
+            <a:schemeClr val="lt1"/>
+          </a:fontRef>
+        </p:style>
+        <p:txBody>
+          <a:bodyPr rtlCol="0" anchor="ctr"/>
+          <a:lstStyle/>
+          <a:p>
+            <a:pPr algn="ctr"/>
+            <a:endParaRPr lang="en-US"/>
+          </a:p>
+        </p:txBody>
+      </p:sp>
+      <p:pic>
+        <p:nvPicPr>
+          <p:cNvPr id="36" name="Picture 35"/>
+          <p:cNvPicPr>
+            <a:picLocks noChangeAspect="1"/>
+          </p:cNvPicPr>
+          <p:nvPr/>
+        </p:nvPicPr>
+        <p:blipFill>
+          <a:blip r:embed="rId6" cstate="print">
+            <a:extLst>
+              <a:ext uri="{28A0092B-C50C-407E-A947-70E740481C1C}">
+                <a14:useLocalDpi xmlns:a14="http://schemas.microsoft.com/office/drawing/2010/main" val="0"/>
+              </a:ext>
+            </a:extLst>
+          </a:blip>
+          <a:stretch>
+            <a:fillRect/>
+          </a:stretch>
+        </p:blipFill>
+        <p:spPr>
+          <a:xfrm>
+            <a:off x="3983855" y="1784724"/>
+            <a:ext cx="648979" cy="578608"/>
+          </a:xfrm>
+          <a:prstGeom prst="rect">
+            <a:avLst/>
+          </a:prstGeom>
+        </p:spPr>
+      </p:pic>
+      <p:pic>
+        <p:nvPicPr>
+          <p:cNvPr id="37" name="Picture 36"/>
+          <p:cNvPicPr>
+            <a:picLocks noChangeAspect="1"/>
+          </p:cNvPicPr>
+          <p:nvPr/>
+        </p:nvPicPr>
+        <p:blipFill>
+          <a:blip r:embed="rId6" cstate="print">
+            <a:extLst>
+              <a:ext uri="{28A0092B-C50C-407E-A947-70E740481C1C}">
+                <a14:useLocalDpi xmlns:a14="http://schemas.microsoft.com/office/drawing/2010/main" val="0"/>
+              </a:ext>
+            </a:extLst>
+          </a:blip>
+          <a:stretch>
+            <a:fillRect/>
+          </a:stretch>
+        </p:blipFill>
+        <p:spPr>
+          <a:xfrm>
+            <a:off x="6945425" y="1839316"/>
+            <a:ext cx="648979" cy="578608"/>
+          </a:xfrm>
+          <a:prstGeom prst="rect">
+            <a:avLst/>
+          </a:prstGeom>
+        </p:spPr>
+      </p:pic>
+      <p:pic>
+        <p:nvPicPr>
+          <p:cNvPr id="38" name="Picture 37"/>
+          <p:cNvPicPr>
+            <a:picLocks noChangeAspect="1"/>
+          </p:cNvPicPr>
+          <p:nvPr/>
+        </p:nvPicPr>
+        <p:blipFill>
+          <a:blip r:embed="rId6" cstate="print">
+            <a:extLst>
+              <a:ext uri="{28A0092B-C50C-407E-A947-70E740481C1C}">
+                <a14:useLocalDpi xmlns:a14="http://schemas.microsoft.com/office/drawing/2010/main" val="0"/>
+              </a:ext>
+            </a:extLst>
+          </a:blip>
+          <a:stretch>
+            <a:fillRect/>
+          </a:stretch>
+        </p:blipFill>
+        <p:spPr>
+          <a:xfrm>
+            <a:off x="9456621" y="1825668"/>
+            <a:ext cx="648979" cy="578608"/>
+          </a:xfrm>
+          <a:prstGeom prst="rect">
+            <a:avLst/>
+          </a:prstGeom>
+        </p:spPr>
+      </p:pic>
+      <p:sp>
+        <p:nvSpPr>
+          <p:cNvPr id="11" name="TextBox 10"/>
+          <p:cNvSpPr txBox="1"/>
+          <p:nvPr/>
+        </p:nvSpPr>
+        <p:spPr>
+          <a:xfrm>
+            <a:off x="1926497" y="1632037"/>
+            <a:ext cx="1433124" cy="923330"/>
+          </a:xfrm>
+          <a:prstGeom prst="rect">
+            <a:avLst/>
+          </a:prstGeom>
+          <a:noFill/>
+        </p:spPr>
+        <p:txBody>
+          <a:bodyPr wrap="square" rtlCol="0">
+            <a:spAutoFit/>
+          </a:bodyPr>
+          <a:lstStyle/>
+          <a:p>
+            <a:r>
+              <a:rPr lang="en-US" dirty="0" smtClean="0"/>
+              <a:t>All Devices</a:t>
+            </a:r>
+          </a:p>
+          <a:p>
+            <a:r>
+              <a:rPr lang="en-US" dirty="0" smtClean="0"/>
+              <a:t>----------------</a:t>
+            </a:r>
+          </a:p>
+          <a:p>
+            <a:r>
+              <a:rPr lang="en-US" dirty="0" smtClean="0"/>
+              <a:t>1000</a:t>
+            </a:r>
+            <a:endParaRPr lang="en-US" dirty="0"/>
+          </a:p>
+        </p:txBody>
+      </p:sp>
+      <p:sp>
+        <p:nvSpPr>
+          <p:cNvPr id="39" name="TextBox 38"/>
+          <p:cNvSpPr txBox="1"/>
+          <p:nvPr/>
+        </p:nvSpPr>
+        <p:spPr>
+          <a:xfrm>
+            <a:off x="4548669" y="1607014"/>
+            <a:ext cx="1733856" cy="923330"/>
+          </a:xfrm>
+          <a:prstGeom prst="rect">
+            <a:avLst/>
+          </a:prstGeom>
+          <a:noFill/>
+        </p:spPr>
+        <p:txBody>
+          <a:bodyPr wrap="square" rtlCol="0">
+            <a:spAutoFit/>
+          </a:bodyPr>
+          <a:lstStyle/>
+          <a:p>
+            <a:r>
+              <a:rPr lang="en-US" dirty="0" err="1" smtClean="0"/>
+              <a:t>Comunicating</a:t>
+            </a:r>
+            <a:endParaRPr lang="en-US" dirty="0" smtClean="0"/>
+          </a:p>
+          <a:p>
+            <a:r>
+              <a:rPr lang="en-US" dirty="0" smtClean="0"/>
+              <a:t>----------------</a:t>
+            </a:r>
+          </a:p>
+          <a:p>
+            <a:r>
+              <a:rPr lang="en-US" dirty="0" smtClean="0"/>
+              <a:t>900</a:t>
+            </a:r>
+            <a:endParaRPr lang="en-US" dirty="0"/>
+          </a:p>
+        </p:txBody>
+      </p:sp>
+      <p:sp>
+        <p:nvSpPr>
+          <p:cNvPr id="40" name="TextBox 39"/>
+          <p:cNvSpPr txBox="1"/>
+          <p:nvPr/>
+        </p:nvSpPr>
+        <p:spPr>
+          <a:xfrm>
+            <a:off x="7456129" y="1579717"/>
+            <a:ext cx="1974474" cy="1077218"/>
+          </a:xfrm>
+          <a:prstGeom prst="rect">
+            <a:avLst/>
+          </a:prstGeom>
+          <a:noFill/>
+        </p:spPr>
+        <p:txBody>
+          <a:bodyPr wrap="square" rtlCol="0">
+            <a:spAutoFit/>
+          </a:bodyPr>
+          <a:lstStyle/>
+          <a:p>
+            <a:r>
+              <a:rPr lang="en-US" sz="1600" dirty="0" err="1" smtClean="0"/>
+              <a:t>Comunicated</a:t>
+            </a:r>
+            <a:r>
+              <a:rPr lang="en-US" sz="1600" dirty="0" smtClean="0"/>
+              <a:t> before 24 hours</a:t>
+            </a:r>
+          </a:p>
+          <a:p>
+            <a:r>
+              <a:rPr lang="en-US" sz="1600" dirty="0" smtClean="0"/>
+              <a:t>----------------</a:t>
+            </a:r>
+          </a:p>
+          <a:p>
+            <a:r>
+              <a:rPr lang="en-US" sz="1600" dirty="0" smtClean="0"/>
+              <a:t>20</a:t>
+            </a:r>
+            <a:endParaRPr lang="en-US" sz="1600" dirty="0"/>
+          </a:p>
+        </p:txBody>
+      </p:sp>
+      <p:sp>
+        <p:nvSpPr>
+          <p:cNvPr id="41" name="TextBox 40"/>
+          <p:cNvSpPr txBox="1"/>
+          <p:nvPr/>
+        </p:nvSpPr>
+        <p:spPr>
+          <a:xfrm>
+            <a:off x="10035562" y="1620662"/>
+            <a:ext cx="2069999" cy="923330"/>
+          </a:xfrm>
+          <a:prstGeom prst="rect">
+            <a:avLst/>
+          </a:prstGeom>
+          <a:noFill/>
+        </p:spPr>
+        <p:txBody>
+          <a:bodyPr wrap="square" rtlCol="0">
+            <a:spAutoFit/>
+          </a:bodyPr>
+          <a:lstStyle/>
+          <a:p>
+            <a:r>
+              <a:rPr lang="en-US" dirty="0" smtClean="0"/>
+              <a:t>Not communicating</a:t>
+            </a:r>
+          </a:p>
+          <a:p>
+            <a:r>
+              <a:rPr lang="en-US" dirty="0" smtClean="0"/>
+              <a:t>----------------</a:t>
+            </a:r>
+          </a:p>
+          <a:p>
+            <a:r>
+              <a:rPr lang="en-US" dirty="0" smtClean="0"/>
+              <a:t>80</a:t>
+            </a:r>
+            <a:endParaRPr lang="en-US" dirty="0"/>
+          </a:p>
+        </p:txBody>
+      </p:sp>
+      <p:pic>
+        <p:nvPicPr>
+          <p:cNvPr id="12" name="Picture 11"/>
+          <p:cNvPicPr>
+            <a:picLocks noChangeAspect="1"/>
+          </p:cNvPicPr>
+          <p:nvPr/>
+        </p:nvPicPr>
+        <p:blipFill>
+          <a:blip r:embed="rId7">
+            <a:extLst>
+              <a:ext uri="{28A0092B-C50C-407E-A947-70E740481C1C}">
+                <a14:useLocalDpi xmlns:a14="http://schemas.microsoft.com/office/drawing/2010/main" val="0"/>
+              </a:ext>
+            </a:extLst>
+          </a:blip>
+          <a:stretch>
+            <a:fillRect/>
+          </a:stretch>
+        </p:blipFill>
+        <p:spPr>
+          <a:xfrm>
+            <a:off x="929324" y="2816993"/>
+            <a:ext cx="4628571" cy="3571429"/>
+          </a:xfrm>
+          <a:prstGeom prst="rect">
+            <a:avLst/>
+          </a:prstGeom>
+        </p:spPr>
+      </p:pic>
+      <p:sp>
+        <p:nvSpPr>
+          <p:cNvPr id="13" name="Rectangle 12"/>
+          <p:cNvSpPr/>
+          <p:nvPr/>
+        </p:nvSpPr>
+        <p:spPr>
+          <a:xfrm>
+            <a:off x="5773003" y="2816993"/>
+            <a:ext cx="6200656" cy="3571429"/>
+          </a:xfrm>
+          <a:prstGeom prst="rect">
+            <a:avLst/>
+          </a:prstGeom>
+          <a:solidFill>
+            <a:schemeClr val="bg1"/>
+          </a:solidFill>
+        </p:spPr>
+        <p:style>
+          <a:lnRef idx="2">
+            <a:schemeClr val="accent1">
+              <a:shade val="50000"/>
+            </a:schemeClr>
+          </a:lnRef>
+          <a:fillRef idx="1">
+            <a:schemeClr val="accent1"/>
+          </a:fillRef>
+          <a:effectRef idx="0">
+            <a:schemeClr val="accent1"/>
+          </a:effectRef>
+          <a:fontRef idx="minor">
+            <a:schemeClr val="lt1"/>
+          </a:fontRef>
+        </p:style>
+        <p:txBody>
+          <a:bodyPr rtlCol="0" anchor="ctr"/>
+          <a:lstStyle/>
+          <a:p>
+            <a:pPr algn="ctr"/>
+            <a:endParaRPr lang="en-US"/>
+          </a:p>
+        </p:txBody>
+      </p:sp>
+      <p:pic>
+        <p:nvPicPr>
+          <p:cNvPr id="42" name="Picture 41"/>
+          <p:cNvPicPr>
+            <a:picLocks noChangeAspect="1"/>
+          </p:cNvPicPr>
+          <p:nvPr/>
+        </p:nvPicPr>
+        <p:blipFill>
+          <a:blip r:embed="rId8">
+            <a:extLst>
+              <a:ext uri="{28A0092B-C50C-407E-A947-70E740481C1C}">
+                <a14:useLocalDpi xmlns:a14="http://schemas.microsoft.com/office/drawing/2010/main" val="0"/>
+              </a:ext>
+            </a:extLst>
+          </a:blip>
+          <a:stretch>
+            <a:fillRect/>
+          </a:stretch>
+        </p:blipFill>
+        <p:spPr>
+          <a:xfrm>
+            <a:off x="5951741" y="3223052"/>
+            <a:ext cx="4601217" cy="3150456"/>
+          </a:xfrm>
+          <a:prstGeom prst="rect">
+            <a:avLst/>
+          </a:prstGeom>
+        </p:spPr>
+      </p:pic>
+      <p:sp>
+        <p:nvSpPr>
+          <p:cNvPr id="43" name="TextBox 42"/>
+          <p:cNvSpPr txBox="1"/>
+          <p:nvPr/>
+        </p:nvSpPr>
+        <p:spPr>
+          <a:xfrm>
+            <a:off x="5951740" y="2895459"/>
+            <a:ext cx="2264211" cy="369332"/>
+          </a:xfrm>
+          <a:prstGeom prst="rect">
+            <a:avLst/>
+          </a:prstGeom>
+          <a:noFill/>
+        </p:spPr>
+        <p:txBody>
+          <a:bodyPr wrap="square" rtlCol="0">
+            <a:spAutoFit/>
+          </a:bodyPr>
+          <a:lstStyle/>
+          <a:p>
+            <a:r>
+              <a:rPr lang="en-US" dirty="0" smtClean="0"/>
+              <a:t>Top 5 Customers</a:t>
+            </a:r>
+            <a:endParaRPr lang="en-US" dirty="0"/>
+          </a:p>
+        </p:txBody>
+      </p:sp>
+    </p:spTree>
+    <p:extLst>
+      <p:ext uri="{BB962C8B-B14F-4D97-AF65-F5344CB8AC3E}">
+        <p14:creationId xmlns:p14="http://schemas.microsoft.com/office/powerpoint/2010/main" val="548357703"/>
+      </p:ext>
+    </p:extLst>
+  </p:cSld>
+  <p:clrMapOvr>
+    <a:masterClrMapping/>
+  </p:clrMapOvr>
+</p:sld>
+</file>
+
+<file path=ppt/slides/slide3.xml><?xml version="1.0" encoding="utf-8"?>
 <p:sld xmlns:a="http://schemas.openxmlformats.org/drawingml/2006/main" xmlns:r="http://schemas.openxmlformats.org/officeDocument/2006/relationships" xmlns:p="http://schemas.openxmlformats.org/presentationml/2006/main">
   <p:cSld>
     <p:spTree>
@@ -6737,7 +9070,7 @@
     </p:spTree>
     <p:extLst>
       <p:ext uri="{BB962C8B-B14F-4D97-AF65-F5344CB8AC3E}">
-        <p14:creationId xmlns:p14="http://schemas.microsoft.com/office/powerpoint/2010/main" val="548357703"/>
+        <p14:creationId xmlns:p14="http://schemas.microsoft.com/office/powerpoint/2010/main" val="649798586"/>
       </p:ext>
     </p:extLst>
   </p:cSld>
@@ -6747,7 +9080,7 @@
 </p:sld>
 </file>
 
-<file path=ppt/slides/slide3.xml><?xml version="1.0" encoding="utf-8"?>
+<file path=ppt/slides/slide4.xml><?xml version="1.0" encoding="utf-8"?>
 <p:sld xmlns:a="http://schemas.openxmlformats.org/drawingml/2006/main" xmlns:r="http://schemas.openxmlformats.org/officeDocument/2006/relationships" xmlns:p="http://schemas.openxmlformats.org/presentationml/2006/main">
   <p:cSld>
     <p:spTree>
@@ -7755,7 +10088,7 @@
 </p:sld>
 </file>
 
-<file path=ppt/slides/slide4.xml><?xml version="1.0" encoding="utf-8"?>
+<file path=ppt/slides/slide5.xml><?xml version="1.0" encoding="utf-8"?>
 <p:sld xmlns:a="http://schemas.openxmlformats.org/drawingml/2006/main" xmlns:r="http://schemas.openxmlformats.org/officeDocument/2006/relationships" xmlns:p="http://schemas.openxmlformats.org/presentationml/2006/main">
   <p:cSld>
     <p:spTree>
@@ -8815,7 +11148,7 @@
 </p:sld>
 </file>
 
-<file path=ppt/slides/slide5.xml><?xml version="1.0" encoding="utf-8"?>
+<file path=ppt/slides/slide6.xml><?xml version="1.0" encoding="utf-8"?>
 <p:sld xmlns:a="http://schemas.openxmlformats.org/drawingml/2006/main" xmlns:r="http://schemas.openxmlformats.org/officeDocument/2006/relationships" xmlns:p="http://schemas.openxmlformats.org/presentationml/2006/main">
   <p:cSld>
     <p:spTree>
@@ -9750,7 +12083,7 @@
 </p:sld>
 </file>
 
-<file path=ppt/slides/slide6.xml><?xml version="1.0" encoding="utf-8"?>
+<file path=ppt/slides/slide7.xml><?xml version="1.0" encoding="utf-8"?>
 <p:sld xmlns:a="http://schemas.openxmlformats.org/drawingml/2006/main" xmlns:r="http://schemas.openxmlformats.org/officeDocument/2006/relationships" xmlns:p="http://schemas.openxmlformats.org/presentationml/2006/main">
   <p:cSld>
     <p:spTree>
@@ -10777,7 +13110,7 @@
 </p:sld>
 </file>
 
-<file path=ppt/slides/slide7.xml><?xml version="1.0" encoding="utf-8"?>
+<file path=ppt/slides/slide8.xml><?xml version="1.0" encoding="utf-8"?>
 <p:sld xmlns:a="http://schemas.openxmlformats.org/drawingml/2006/main" xmlns:r="http://schemas.openxmlformats.org/officeDocument/2006/relationships" xmlns:p="http://schemas.openxmlformats.org/presentationml/2006/main">
   <p:cSld>
     <p:spTree>
@@ -12007,7 +14340,7 @@
 </p:sld>
 </file>
 
-<file path=ppt/slides/slide8.xml><?xml version="1.0" encoding="utf-8"?>
+<file path=ppt/slides/slide9.xml><?xml version="1.0" encoding="utf-8"?>
 <p:sld xmlns:a="http://schemas.openxmlformats.org/drawingml/2006/main" xmlns:r="http://schemas.openxmlformats.org/officeDocument/2006/relationships" xmlns:p="http://schemas.openxmlformats.org/presentationml/2006/main">
   <p:cSld>
     <p:spTree>
@@ -13177,1011 +15510,6 @@
     <p:extLst>
       <p:ext uri="{BB962C8B-B14F-4D97-AF65-F5344CB8AC3E}">
         <p14:creationId xmlns:p14="http://schemas.microsoft.com/office/powerpoint/2010/main" val="201321444"/>
-      </p:ext>
-    </p:extLst>
-  </p:cSld>
-  <p:clrMapOvr>
-    <a:masterClrMapping/>
-  </p:clrMapOvr>
-</p:sld>
-</file>
-
-<file path=ppt/slides/slide9.xml><?xml version="1.0" encoding="utf-8"?>
-<p:sld xmlns:a="http://schemas.openxmlformats.org/drawingml/2006/main" xmlns:r="http://schemas.openxmlformats.org/officeDocument/2006/relationships" xmlns:p="http://schemas.openxmlformats.org/presentationml/2006/main">
-  <p:cSld>
-    <p:spTree>
-      <p:nvGrpSpPr>
-        <p:cNvPr id="1" name=""/>
-        <p:cNvGrpSpPr/>
-        <p:nvPr/>
-      </p:nvGrpSpPr>
-      <p:grpSpPr>
-        <a:xfrm>
-          <a:off x="0" y="0"/>
-          <a:ext cx="0" cy="0"/>
-          <a:chOff x="0" y="0"/>
-          <a:chExt cx="0" cy="0"/>
-        </a:xfrm>
-      </p:grpSpPr>
-      <p:sp>
-        <p:nvSpPr>
-          <p:cNvPr id="28" name="Rectangle 27"/>
-          <p:cNvSpPr/>
-          <p:nvPr/>
-        </p:nvSpPr>
-        <p:spPr>
-          <a:xfrm>
-            <a:off x="9738369" y="1426605"/>
-            <a:ext cx="879589" cy="211126"/>
-          </a:xfrm>
-          <a:prstGeom prst="rect">
-            <a:avLst/>
-          </a:prstGeom>
-        </p:spPr>
-        <p:style>
-          <a:lnRef idx="2">
-            <a:schemeClr val="accent1">
-              <a:shade val="50000"/>
-            </a:schemeClr>
-          </a:lnRef>
-          <a:fillRef idx="1">
-            <a:schemeClr val="accent1"/>
-          </a:fillRef>
-          <a:effectRef idx="0">
-            <a:schemeClr val="accent1"/>
-          </a:effectRef>
-          <a:fontRef idx="minor">
-            <a:schemeClr val="lt1"/>
-          </a:fontRef>
-        </p:style>
-        <p:txBody>
-          <a:bodyPr rtlCol="0" anchor="ctr"/>
-          <a:lstStyle/>
-          <a:p>
-            <a:pPr algn="ctr"/>
-            <a:endParaRPr lang="en-US"/>
-          </a:p>
-        </p:txBody>
-      </p:sp>
-      <p:sp>
-        <p:nvSpPr>
-          <p:cNvPr id="23" name="Rectangle 22"/>
-          <p:cNvSpPr/>
-          <p:nvPr/>
-        </p:nvSpPr>
-        <p:spPr>
-          <a:xfrm>
-            <a:off x="709679" y="915838"/>
-            <a:ext cx="11300351" cy="5730622"/>
-          </a:xfrm>
-          <a:prstGeom prst="rect">
-            <a:avLst/>
-          </a:prstGeom>
-          <a:solidFill>
-            <a:schemeClr val="bg1">
-              <a:lumMod val="95000"/>
-            </a:schemeClr>
-          </a:solidFill>
-        </p:spPr>
-        <p:style>
-          <a:lnRef idx="2">
-            <a:schemeClr val="accent1">
-              <a:shade val="50000"/>
-            </a:schemeClr>
-          </a:lnRef>
-          <a:fillRef idx="1">
-            <a:schemeClr val="accent1"/>
-          </a:fillRef>
-          <a:effectRef idx="0">
-            <a:schemeClr val="accent1"/>
-          </a:effectRef>
-          <a:fontRef idx="minor">
-            <a:schemeClr val="lt1"/>
-          </a:fontRef>
-        </p:style>
-        <p:txBody>
-          <a:bodyPr rtlCol="0" anchor="ctr"/>
-          <a:lstStyle/>
-          <a:p>
-            <a:pPr algn="ctr"/>
-            <a:endParaRPr lang="en-US"/>
-          </a:p>
-        </p:txBody>
-      </p:sp>
-      <p:sp>
-        <p:nvSpPr>
-          <p:cNvPr id="4" name="Rectangle 3"/>
-          <p:cNvSpPr/>
-          <p:nvPr/>
-        </p:nvSpPr>
-        <p:spPr>
-          <a:xfrm>
-            <a:off x="0" y="0"/>
-            <a:ext cx="12192000" cy="723331"/>
-          </a:xfrm>
-          <a:prstGeom prst="rect">
-            <a:avLst/>
-          </a:prstGeom>
-        </p:spPr>
-        <p:style>
-          <a:lnRef idx="2">
-            <a:schemeClr val="accent1">
-              <a:shade val="50000"/>
-            </a:schemeClr>
-          </a:lnRef>
-          <a:fillRef idx="1">
-            <a:schemeClr val="accent1"/>
-          </a:fillRef>
-          <a:effectRef idx="0">
-            <a:schemeClr val="accent1"/>
-          </a:effectRef>
-          <a:fontRef idx="minor">
-            <a:schemeClr val="lt1"/>
-          </a:fontRef>
-        </p:style>
-        <p:txBody>
-          <a:bodyPr rtlCol="0" anchor="ctr"/>
-          <a:lstStyle/>
-          <a:p>
-            <a:pPr algn="ctr"/>
-            <a:endParaRPr lang="en-US"/>
-          </a:p>
-        </p:txBody>
-      </p:sp>
-      <p:sp>
-        <p:nvSpPr>
-          <p:cNvPr id="5" name="Rectangle 4"/>
-          <p:cNvSpPr/>
-          <p:nvPr/>
-        </p:nvSpPr>
-        <p:spPr>
-          <a:xfrm>
-            <a:off x="0" y="1"/>
-            <a:ext cx="532263" cy="6858000"/>
-          </a:xfrm>
-          <a:prstGeom prst="rect">
-            <a:avLst/>
-          </a:prstGeom>
-        </p:spPr>
-        <p:style>
-          <a:lnRef idx="2">
-            <a:schemeClr val="accent1">
-              <a:shade val="50000"/>
-            </a:schemeClr>
-          </a:lnRef>
-          <a:fillRef idx="1">
-            <a:schemeClr val="accent1"/>
-          </a:fillRef>
-          <a:effectRef idx="0">
-            <a:schemeClr val="accent1"/>
-          </a:effectRef>
-          <a:fontRef idx="minor">
-            <a:schemeClr val="lt1"/>
-          </a:fontRef>
-        </p:style>
-        <p:txBody>
-          <a:bodyPr rtlCol="0" anchor="ctr"/>
-          <a:lstStyle/>
-          <a:p>
-            <a:pPr algn="ctr"/>
-            <a:endParaRPr lang="en-US"/>
-          </a:p>
-        </p:txBody>
-      </p:sp>
-      <p:sp>
-        <p:nvSpPr>
-          <p:cNvPr id="6" name="TextBox 5"/>
-          <p:cNvSpPr txBox="1"/>
-          <p:nvPr/>
-        </p:nvSpPr>
-        <p:spPr>
-          <a:xfrm flipH="1">
-            <a:off x="755398" y="169334"/>
-            <a:ext cx="1127989" cy="369332"/>
-          </a:xfrm>
-          <a:prstGeom prst="rect">
-            <a:avLst/>
-          </a:prstGeom>
-          <a:noFill/>
-        </p:spPr>
-        <p:txBody>
-          <a:bodyPr wrap="square" rtlCol="0">
-            <a:spAutoFit/>
-          </a:bodyPr>
-          <a:lstStyle/>
-          <a:p>
-            <a:r>
-              <a:rPr lang="en-US" dirty="0" smtClean="0"/>
-              <a:t>Logo</a:t>
-            </a:r>
-            <a:endParaRPr lang="en-US" dirty="0"/>
-          </a:p>
-        </p:txBody>
-      </p:sp>
-      <p:sp>
-        <p:nvSpPr>
-          <p:cNvPr id="7" name="Oval 6"/>
-          <p:cNvSpPr/>
-          <p:nvPr/>
-        </p:nvSpPr>
-        <p:spPr>
-          <a:xfrm>
-            <a:off x="11232107" y="169334"/>
-            <a:ext cx="614150" cy="369332"/>
-          </a:xfrm>
-          <a:prstGeom prst="ellipse">
-            <a:avLst/>
-          </a:prstGeom>
-        </p:spPr>
-        <p:style>
-          <a:lnRef idx="2">
-            <a:schemeClr val="accent1">
-              <a:shade val="50000"/>
-            </a:schemeClr>
-          </a:lnRef>
-          <a:fillRef idx="1">
-            <a:schemeClr val="accent1"/>
-          </a:fillRef>
-          <a:effectRef idx="0">
-            <a:schemeClr val="accent1"/>
-          </a:effectRef>
-          <a:fontRef idx="minor">
-            <a:schemeClr val="lt1"/>
-          </a:fontRef>
-        </p:style>
-        <p:txBody>
-          <a:bodyPr rtlCol="0" anchor="ctr"/>
-          <a:lstStyle/>
-          <a:p>
-            <a:pPr algn="ctr"/>
-            <a:endParaRPr lang="en-US"/>
-          </a:p>
-        </p:txBody>
-      </p:sp>
-      <p:sp>
-        <p:nvSpPr>
-          <p:cNvPr id="8" name="TextBox 7"/>
-          <p:cNvSpPr txBox="1"/>
-          <p:nvPr/>
-        </p:nvSpPr>
-        <p:spPr>
-          <a:xfrm>
-            <a:off x="11404979" y="169334"/>
-            <a:ext cx="409433" cy="369332"/>
-          </a:xfrm>
-          <a:prstGeom prst="rect">
-            <a:avLst/>
-          </a:prstGeom>
-          <a:noFill/>
-        </p:spPr>
-        <p:txBody>
-          <a:bodyPr wrap="square" rtlCol="0">
-            <a:spAutoFit/>
-          </a:bodyPr>
-          <a:lstStyle/>
-          <a:p>
-            <a:r>
-              <a:rPr lang="en-US" dirty="0" smtClean="0"/>
-              <a:t>B</a:t>
-            </a:r>
-            <a:endParaRPr lang="en-US" dirty="0"/>
-          </a:p>
-        </p:txBody>
-      </p:sp>
-      <p:cxnSp>
-        <p:nvCxnSpPr>
-          <p:cNvPr id="15" name="Straight Connector 14"/>
-          <p:cNvCxnSpPr/>
-          <p:nvPr/>
-        </p:nvCxnSpPr>
-        <p:spPr>
-          <a:xfrm>
-            <a:off x="109182" y="169334"/>
-            <a:ext cx="327546" cy="0"/>
-          </a:xfrm>
-          <a:prstGeom prst="line">
-            <a:avLst/>
-          </a:prstGeom>
-        </p:spPr>
-        <p:style>
-          <a:lnRef idx="1">
-            <a:schemeClr val="accent2"/>
-          </a:lnRef>
-          <a:fillRef idx="0">
-            <a:schemeClr val="accent2"/>
-          </a:fillRef>
-          <a:effectRef idx="0">
-            <a:schemeClr val="accent2"/>
-          </a:effectRef>
-          <a:fontRef idx="minor">
-            <a:schemeClr val="tx1"/>
-          </a:fontRef>
-        </p:style>
-      </p:cxnSp>
-      <p:cxnSp>
-        <p:nvCxnSpPr>
-          <p:cNvPr id="17" name="Straight Connector 16"/>
-          <p:cNvCxnSpPr/>
-          <p:nvPr/>
-        </p:nvCxnSpPr>
-        <p:spPr>
-          <a:xfrm>
-            <a:off x="111454" y="280790"/>
-            <a:ext cx="327546" cy="0"/>
-          </a:xfrm>
-          <a:prstGeom prst="line">
-            <a:avLst/>
-          </a:prstGeom>
-        </p:spPr>
-        <p:style>
-          <a:lnRef idx="1">
-            <a:schemeClr val="accent2"/>
-          </a:lnRef>
-          <a:fillRef idx="0">
-            <a:schemeClr val="accent2"/>
-          </a:fillRef>
-          <a:effectRef idx="0">
-            <a:schemeClr val="accent2"/>
-          </a:effectRef>
-          <a:fontRef idx="minor">
-            <a:schemeClr val="tx1"/>
-          </a:fontRef>
-        </p:style>
-      </p:cxnSp>
-      <p:cxnSp>
-        <p:nvCxnSpPr>
-          <p:cNvPr id="18" name="Straight Connector 17"/>
-          <p:cNvCxnSpPr/>
-          <p:nvPr/>
-        </p:nvCxnSpPr>
-        <p:spPr>
-          <a:xfrm>
-            <a:off x="127374" y="392246"/>
-            <a:ext cx="327546" cy="0"/>
-          </a:xfrm>
-          <a:prstGeom prst="line">
-            <a:avLst/>
-          </a:prstGeom>
-        </p:spPr>
-        <p:style>
-          <a:lnRef idx="1">
-            <a:schemeClr val="accent2"/>
-          </a:lnRef>
-          <a:fillRef idx="0">
-            <a:schemeClr val="accent2"/>
-          </a:fillRef>
-          <a:effectRef idx="0">
-            <a:schemeClr val="accent2"/>
-          </a:effectRef>
-          <a:fontRef idx="minor">
-            <a:schemeClr val="tx1"/>
-          </a:fontRef>
-        </p:style>
-      </p:cxnSp>
-      <p:sp>
-        <p:nvSpPr>
-          <p:cNvPr id="19" name="Rectangle 18"/>
-          <p:cNvSpPr/>
-          <p:nvPr/>
-        </p:nvSpPr>
-        <p:spPr>
-          <a:xfrm>
-            <a:off x="109182" y="915838"/>
-            <a:ext cx="327546" cy="338554"/>
-          </a:xfrm>
-          <a:prstGeom prst="rect">
-            <a:avLst/>
-          </a:prstGeom>
-          <a:solidFill>
-            <a:schemeClr val="accent6">
-              <a:lumMod val="75000"/>
-            </a:schemeClr>
-          </a:solidFill>
-        </p:spPr>
-        <p:style>
-          <a:lnRef idx="2">
-            <a:schemeClr val="accent1">
-              <a:shade val="50000"/>
-            </a:schemeClr>
-          </a:lnRef>
-          <a:fillRef idx="1">
-            <a:schemeClr val="accent1"/>
-          </a:fillRef>
-          <a:effectRef idx="0">
-            <a:schemeClr val="accent1"/>
-          </a:effectRef>
-          <a:fontRef idx="minor">
-            <a:schemeClr val="lt1"/>
-          </a:fontRef>
-        </p:style>
-        <p:txBody>
-          <a:bodyPr rtlCol="0" anchor="ctr"/>
-          <a:lstStyle/>
-          <a:p>
-            <a:pPr algn="ctr"/>
-            <a:endParaRPr lang="en-US"/>
-          </a:p>
-        </p:txBody>
-      </p:sp>
-      <p:sp>
-        <p:nvSpPr>
-          <p:cNvPr id="20" name="Rectangle 19"/>
-          <p:cNvSpPr/>
-          <p:nvPr/>
-        </p:nvSpPr>
-        <p:spPr>
-          <a:xfrm>
-            <a:off x="111454" y="1436727"/>
-            <a:ext cx="327546" cy="338554"/>
-          </a:xfrm>
-          <a:prstGeom prst="rect">
-            <a:avLst/>
-          </a:prstGeom>
-          <a:solidFill>
-            <a:schemeClr val="accent6">
-              <a:lumMod val="75000"/>
-            </a:schemeClr>
-          </a:solidFill>
-        </p:spPr>
-        <p:style>
-          <a:lnRef idx="2">
-            <a:schemeClr val="accent1">
-              <a:shade val="50000"/>
-            </a:schemeClr>
-          </a:lnRef>
-          <a:fillRef idx="1">
-            <a:schemeClr val="accent1"/>
-          </a:fillRef>
-          <a:effectRef idx="0">
-            <a:schemeClr val="accent1"/>
-          </a:effectRef>
-          <a:fontRef idx="minor">
-            <a:schemeClr val="lt1"/>
-          </a:fontRef>
-        </p:style>
-        <p:txBody>
-          <a:bodyPr rtlCol="0" anchor="ctr"/>
-          <a:lstStyle/>
-          <a:p>
-            <a:pPr algn="ctr"/>
-            <a:endParaRPr lang="en-US"/>
-          </a:p>
-        </p:txBody>
-      </p:sp>
-      <p:sp>
-        <p:nvSpPr>
-          <p:cNvPr id="21" name="Rectangle 20"/>
-          <p:cNvSpPr/>
-          <p:nvPr/>
-        </p:nvSpPr>
-        <p:spPr>
-          <a:xfrm>
-            <a:off x="111454" y="1982640"/>
-            <a:ext cx="327546" cy="338554"/>
-          </a:xfrm>
-          <a:prstGeom prst="rect">
-            <a:avLst/>
-          </a:prstGeom>
-          <a:solidFill>
-            <a:schemeClr val="accent6">
-              <a:lumMod val="75000"/>
-            </a:schemeClr>
-          </a:solidFill>
-        </p:spPr>
-        <p:style>
-          <a:lnRef idx="2">
-            <a:schemeClr val="accent1">
-              <a:shade val="50000"/>
-            </a:schemeClr>
-          </a:lnRef>
-          <a:fillRef idx="1">
-            <a:schemeClr val="accent1"/>
-          </a:fillRef>
-          <a:effectRef idx="0">
-            <a:schemeClr val="accent1"/>
-          </a:effectRef>
-          <a:fontRef idx="minor">
-            <a:schemeClr val="lt1"/>
-          </a:fontRef>
-        </p:style>
-        <p:txBody>
-          <a:bodyPr rtlCol="0" anchor="ctr"/>
-          <a:lstStyle/>
-          <a:p>
-            <a:pPr algn="ctr"/>
-            <a:endParaRPr lang="en-US"/>
-          </a:p>
-        </p:txBody>
-      </p:sp>
-      <p:sp>
-        <p:nvSpPr>
-          <p:cNvPr id="2" name="TextBox 1"/>
-          <p:cNvSpPr txBox="1"/>
-          <p:nvPr/>
-        </p:nvSpPr>
-        <p:spPr>
-          <a:xfrm>
-            <a:off x="709679" y="915838"/>
-            <a:ext cx="3029808" cy="369332"/>
-          </a:xfrm>
-          <a:prstGeom prst="rect">
-            <a:avLst/>
-          </a:prstGeom>
-          <a:noFill/>
-        </p:spPr>
-        <p:txBody>
-          <a:bodyPr wrap="square" rtlCol="0">
-            <a:spAutoFit/>
-          </a:bodyPr>
-          <a:lstStyle/>
-          <a:p>
-            <a:r>
-              <a:rPr lang="en-US" dirty="0" smtClean="0"/>
-              <a:t>Add Device </a:t>
-            </a:r>
-            <a:endParaRPr lang="en-US" dirty="0"/>
-          </a:p>
-        </p:txBody>
-      </p:sp>
-      <p:sp>
-        <p:nvSpPr>
-          <p:cNvPr id="3" name="Rectangle 2"/>
-          <p:cNvSpPr/>
-          <p:nvPr/>
-        </p:nvSpPr>
-        <p:spPr>
-          <a:xfrm>
-            <a:off x="837285" y="1436727"/>
-            <a:ext cx="1441892" cy="338554"/>
-          </a:xfrm>
-          <a:prstGeom prst="rect">
-            <a:avLst/>
-          </a:prstGeom>
-          <a:solidFill>
-            <a:schemeClr val="bg1"/>
-          </a:solidFill>
-        </p:spPr>
-        <p:style>
-          <a:lnRef idx="2">
-            <a:schemeClr val="accent1">
-              <a:shade val="50000"/>
-            </a:schemeClr>
-          </a:lnRef>
-          <a:fillRef idx="1">
-            <a:schemeClr val="accent1"/>
-          </a:fillRef>
-          <a:effectRef idx="0">
-            <a:schemeClr val="accent1"/>
-          </a:effectRef>
-          <a:fontRef idx="minor">
-            <a:schemeClr val="lt1"/>
-          </a:fontRef>
-        </p:style>
-        <p:txBody>
-          <a:bodyPr rtlCol="0" anchor="ctr"/>
-          <a:lstStyle/>
-          <a:p>
-            <a:pPr algn="ctr"/>
-            <a:endParaRPr lang="en-US"/>
-          </a:p>
-        </p:txBody>
-      </p:sp>
-      <p:sp>
-        <p:nvSpPr>
-          <p:cNvPr id="14" name="TextBox 13"/>
-          <p:cNvSpPr txBox="1"/>
-          <p:nvPr/>
-        </p:nvSpPr>
-        <p:spPr>
-          <a:xfrm>
-            <a:off x="887103" y="1433011"/>
-            <a:ext cx="1665027" cy="307777"/>
-          </a:xfrm>
-          <a:prstGeom prst="rect">
-            <a:avLst/>
-          </a:prstGeom>
-          <a:noFill/>
-        </p:spPr>
-        <p:txBody>
-          <a:bodyPr wrap="square" rtlCol="0">
-            <a:spAutoFit/>
-          </a:bodyPr>
-          <a:lstStyle/>
-          <a:p>
-            <a:r>
-              <a:rPr lang="en-US" sz="1400" dirty="0" smtClean="0"/>
-              <a:t>State dropdown</a:t>
-            </a:r>
-            <a:endParaRPr lang="en-US" sz="1400" dirty="0"/>
-          </a:p>
-        </p:txBody>
-      </p:sp>
-      <p:sp>
-        <p:nvSpPr>
-          <p:cNvPr id="16" name="Rectangle 15"/>
-          <p:cNvSpPr/>
-          <p:nvPr/>
-        </p:nvSpPr>
-        <p:spPr>
-          <a:xfrm>
-            <a:off x="966591" y="4804014"/>
-            <a:ext cx="955343" cy="342270"/>
-          </a:xfrm>
-          <a:prstGeom prst="rect">
-            <a:avLst/>
-          </a:prstGeom>
-          <a:solidFill>
-            <a:schemeClr val="accent6"/>
-          </a:solidFill>
-        </p:spPr>
-        <p:style>
-          <a:lnRef idx="2">
-            <a:schemeClr val="accent1">
-              <a:shade val="50000"/>
-            </a:schemeClr>
-          </a:lnRef>
-          <a:fillRef idx="1">
-            <a:schemeClr val="accent1"/>
-          </a:fillRef>
-          <a:effectRef idx="0">
-            <a:schemeClr val="accent1"/>
-          </a:effectRef>
-          <a:fontRef idx="minor">
-            <a:schemeClr val="lt1"/>
-          </a:fontRef>
-        </p:style>
-        <p:txBody>
-          <a:bodyPr rtlCol="0" anchor="ctr"/>
-          <a:lstStyle/>
-          <a:p>
-            <a:pPr algn="ctr"/>
-            <a:endParaRPr lang="en-US"/>
-          </a:p>
-        </p:txBody>
-      </p:sp>
-      <p:sp>
-        <p:nvSpPr>
-          <p:cNvPr id="22" name="TextBox 21"/>
-          <p:cNvSpPr txBox="1"/>
-          <p:nvPr/>
-        </p:nvSpPr>
-        <p:spPr>
-          <a:xfrm>
-            <a:off x="949079" y="4783961"/>
-            <a:ext cx="946471" cy="369332"/>
-          </a:xfrm>
-          <a:prstGeom prst="rect">
-            <a:avLst/>
-          </a:prstGeom>
-          <a:noFill/>
-        </p:spPr>
-        <p:txBody>
-          <a:bodyPr wrap="square" rtlCol="0">
-            <a:spAutoFit/>
-          </a:bodyPr>
-          <a:lstStyle/>
-          <a:p>
-            <a:r>
-              <a:rPr lang="en-US" dirty="0" smtClean="0"/>
-              <a:t>Submit</a:t>
-            </a:r>
-            <a:endParaRPr lang="en-US" dirty="0"/>
-          </a:p>
-        </p:txBody>
-      </p:sp>
-      <p:pic>
-        <p:nvPicPr>
-          <p:cNvPr id="30" name="Picture 29"/>
-          <p:cNvPicPr>
-            <a:picLocks noChangeAspect="1"/>
-          </p:cNvPicPr>
-          <p:nvPr/>
-        </p:nvPicPr>
-        <p:blipFill>
-          <a:blip r:embed="rId3" cstate="print">
-            <a:extLst>
-              <a:ext uri="{28A0092B-C50C-407E-A947-70E740481C1C}">
-                <a14:useLocalDpi xmlns:a14="http://schemas.microsoft.com/office/drawing/2010/main" val="0"/>
-              </a:ext>
-            </a:extLst>
-          </a:blip>
-          <a:stretch>
-            <a:fillRect/>
-          </a:stretch>
-        </p:blipFill>
-        <p:spPr>
-          <a:xfrm>
-            <a:off x="47820" y="922640"/>
-            <a:ext cx="457261" cy="373893"/>
-          </a:xfrm>
-          <a:prstGeom prst="rect">
-            <a:avLst/>
-          </a:prstGeom>
-        </p:spPr>
-      </p:pic>
-      <p:pic>
-        <p:nvPicPr>
-          <p:cNvPr id="31" name="Picture 30"/>
-          <p:cNvPicPr>
-            <a:picLocks noChangeAspect="1"/>
-          </p:cNvPicPr>
-          <p:nvPr/>
-        </p:nvPicPr>
-        <p:blipFill>
-          <a:blip r:embed="rId4" cstate="print">
-            <a:extLst>
-              <a:ext uri="{28A0092B-C50C-407E-A947-70E740481C1C}">
-                <a14:useLocalDpi xmlns:a14="http://schemas.microsoft.com/office/drawing/2010/main" val="0"/>
-              </a:ext>
-            </a:extLst>
-          </a:blip>
-          <a:stretch>
-            <a:fillRect/>
-          </a:stretch>
-        </p:blipFill>
-        <p:spPr>
-          <a:xfrm>
-            <a:off x="44688" y="1932574"/>
-            <a:ext cx="446609" cy="432014"/>
-          </a:xfrm>
-          <a:prstGeom prst="rect">
-            <a:avLst/>
-          </a:prstGeom>
-        </p:spPr>
-      </p:pic>
-      <p:pic>
-        <p:nvPicPr>
-          <p:cNvPr id="32" name="Picture 31"/>
-          <p:cNvPicPr>
-            <a:picLocks noChangeAspect="1"/>
-          </p:cNvPicPr>
-          <p:nvPr/>
-        </p:nvPicPr>
-        <p:blipFill>
-          <a:blip r:embed="rId5" cstate="print">
-            <a:extLst>
-              <a:ext uri="{28A0092B-C50C-407E-A947-70E740481C1C}">
-                <a14:useLocalDpi xmlns:a14="http://schemas.microsoft.com/office/drawing/2010/main" val="0"/>
-              </a:ext>
-            </a:extLst>
-          </a:blip>
-          <a:stretch>
-            <a:fillRect/>
-          </a:stretch>
-        </p:blipFill>
-        <p:spPr>
-          <a:xfrm>
-            <a:off x="54865" y="1386665"/>
-            <a:ext cx="422796" cy="422796"/>
-          </a:xfrm>
-          <a:prstGeom prst="rect">
-            <a:avLst/>
-          </a:prstGeom>
-        </p:spPr>
-      </p:pic>
-      <p:sp>
-        <p:nvSpPr>
-          <p:cNvPr id="33" name="Rectangle 32"/>
-          <p:cNvSpPr/>
-          <p:nvPr/>
-        </p:nvSpPr>
-        <p:spPr>
-          <a:xfrm>
-            <a:off x="839556" y="2653651"/>
-            <a:ext cx="1441892" cy="338554"/>
-          </a:xfrm>
-          <a:prstGeom prst="rect">
-            <a:avLst/>
-          </a:prstGeom>
-          <a:solidFill>
-            <a:schemeClr val="bg1"/>
-          </a:solidFill>
-        </p:spPr>
-        <p:style>
-          <a:lnRef idx="2">
-            <a:schemeClr val="accent1">
-              <a:shade val="50000"/>
-            </a:schemeClr>
-          </a:lnRef>
-          <a:fillRef idx="1">
-            <a:schemeClr val="accent1"/>
-          </a:fillRef>
-          <a:effectRef idx="0">
-            <a:schemeClr val="accent1"/>
-          </a:effectRef>
-          <a:fontRef idx="minor">
-            <a:schemeClr val="lt1"/>
-          </a:fontRef>
-        </p:style>
-        <p:txBody>
-          <a:bodyPr rtlCol="0" anchor="ctr"/>
-          <a:lstStyle/>
-          <a:p>
-            <a:pPr algn="ctr"/>
-            <a:endParaRPr lang="en-US"/>
-          </a:p>
-        </p:txBody>
-      </p:sp>
-      <p:sp>
-        <p:nvSpPr>
-          <p:cNvPr id="34" name="Rectangle 33"/>
-          <p:cNvSpPr/>
-          <p:nvPr/>
-        </p:nvSpPr>
-        <p:spPr>
-          <a:xfrm>
-            <a:off x="828187" y="2055420"/>
-            <a:ext cx="1441892" cy="338554"/>
-          </a:xfrm>
-          <a:prstGeom prst="rect">
-            <a:avLst/>
-          </a:prstGeom>
-          <a:solidFill>
-            <a:schemeClr val="bg1"/>
-          </a:solidFill>
-        </p:spPr>
-        <p:style>
-          <a:lnRef idx="2">
-            <a:schemeClr val="accent1">
-              <a:shade val="50000"/>
-            </a:schemeClr>
-          </a:lnRef>
-          <a:fillRef idx="1">
-            <a:schemeClr val="accent1"/>
-          </a:fillRef>
-          <a:effectRef idx="0">
-            <a:schemeClr val="accent1"/>
-          </a:effectRef>
-          <a:fontRef idx="minor">
-            <a:schemeClr val="lt1"/>
-          </a:fontRef>
-        </p:style>
-        <p:txBody>
-          <a:bodyPr rtlCol="0" anchor="ctr"/>
-          <a:lstStyle/>
-          <a:p>
-            <a:pPr algn="ctr"/>
-            <a:endParaRPr lang="en-US"/>
-          </a:p>
-        </p:txBody>
-      </p:sp>
-      <p:sp>
-        <p:nvSpPr>
-          <p:cNvPr id="35" name="TextBox 34"/>
-          <p:cNvSpPr txBox="1"/>
-          <p:nvPr/>
-        </p:nvSpPr>
-        <p:spPr>
-          <a:xfrm>
-            <a:off x="780192" y="2076727"/>
-            <a:ext cx="1665027" cy="307777"/>
-          </a:xfrm>
-          <a:prstGeom prst="rect">
-            <a:avLst/>
-          </a:prstGeom>
-          <a:noFill/>
-        </p:spPr>
-        <p:txBody>
-          <a:bodyPr wrap="square" rtlCol="0">
-            <a:spAutoFit/>
-          </a:bodyPr>
-          <a:lstStyle/>
-          <a:p>
-            <a:r>
-              <a:rPr lang="en-US" sz="1400" dirty="0" smtClean="0"/>
-              <a:t>District dropdown</a:t>
-            </a:r>
-            <a:endParaRPr lang="en-US" sz="1400" dirty="0"/>
-          </a:p>
-        </p:txBody>
-      </p:sp>
-      <p:sp>
-        <p:nvSpPr>
-          <p:cNvPr id="36" name="TextBox 35"/>
-          <p:cNvSpPr txBox="1"/>
-          <p:nvPr/>
-        </p:nvSpPr>
-        <p:spPr>
-          <a:xfrm>
-            <a:off x="800895" y="2647843"/>
-            <a:ext cx="1655697" cy="313720"/>
-          </a:xfrm>
-          <a:prstGeom prst="rect">
-            <a:avLst/>
-          </a:prstGeom>
-          <a:noFill/>
-        </p:spPr>
-        <p:txBody>
-          <a:bodyPr wrap="square" rtlCol="0">
-            <a:spAutoFit/>
-          </a:bodyPr>
-          <a:lstStyle/>
-          <a:p>
-            <a:r>
-              <a:rPr lang="en-US" sz="1400" dirty="0" smtClean="0"/>
-              <a:t>Village dropdown</a:t>
-            </a:r>
-            <a:endParaRPr lang="en-US" sz="1400" dirty="0"/>
-          </a:p>
-        </p:txBody>
-      </p:sp>
-      <p:sp>
-        <p:nvSpPr>
-          <p:cNvPr id="9" name="Rectangle 8"/>
-          <p:cNvSpPr/>
-          <p:nvPr/>
-        </p:nvSpPr>
-        <p:spPr>
-          <a:xfrm>
-            <a:off x="887103" y="3176061"/>
-            <a:ext cx="1382976" cy="405085"/>
-          </a:xfrm>
-          <a:prstGeom prst="rect">
-            <a:avLst/>
-          </a:prstGeom>
-          <a:solidFill>
-            <a:schemeClr val="bg1"/>
-          </a:solidFill>
-        </p:spPr>
-        <p:style>
-          <a:lnRef idx="2">
-            <a:schemeClr val="accent1">
-              <a:shade val="50000"/>
-            </a:schemeClr>
-          </a:lnRef>
-          <a:fillRef idx="1">
-            <a:schemeClr val="accent1"/>
-          </a:fillRef>
-          <a:effectRef idx="0">
-            <a:schemeClr val="accent1"/>
-          </a:effectRef>
-          <a:fontRef idx="minor">
-            <a:schemeClr val="lt1"/>
-          </a:fontRef>
-        </p:style>
-        <p:txBody>
-          <a:bodyPr rtlCol="0" anchor="ctr"/>
-          <a:lstStyle/>
-          <a:p>
-            <a:pPr algn="ctr"/>
-            <a:endParaRPr lang="en-US"/>
-          </a:p>
-        </p:txBody>
-      </p:sp>
-      <p:sp>
-        <p:nvSpPr>
-          <p:cNvPr id="10" name="TextBox 9"/>
-          <p:cNvSpPr txBox="1"/>
-          <p:nvPr/>
-        </p:nvSpPr>
-        <p:spPr>
-          <a:xfrm>
-            <a:off x="900750" y="3196989"/>
-            <a:ext cx="1132765" cy="369332"/>
-          </a:xfrm>
-          <a:prstGeom prst="rect">
-            <a:avLst/>
-          </a:prstGeom>
-          <a:noFill/>
-        </p:spPr>
-        <p:txBody>
-          <a:bodyPr wrap="square" rtlCol="0">
-            <a:spAutoFit/>
-          </a:bodyPr>
-          <a:lstStyle/>
-          <a:p>
-            <a:r>
-              <a:rPr lang="en-US" dirty="0" smtClean="0"/>
-              <a:t>IMEI no</a:t>
-            </a:r>
-            <a:endParaRPr lang="en-US" dirty="0"/>
-          </a:p>
-        </p:txBody>
-      </p:sp>
-    </p:spTree>
-    <p:extLst>
-      <p:ext uri="{BB962C8B-B14F-4D97-AF65-F5344CB8AC3E}">
-        <p14:creationId xmlns:p14="http://schemas.microsoft.com/office/powerpoint/2010/main" val="3072585613"/>
       </p:ext>
     </p:extLst>
   </p:cSld>
